--- a/docs/week-2/week-2.tr.md_word.pptx
+++ b/docs/week-2/week-2.tr.md_word.pptx
@@ -17,13 +17,8 @@
     <p:sldId id="265" r:id="rId11"/>
     <p:sldId id="266" r:id="rId12"/>
     <p:sldId id="267" r:id="rId13"/>
-    <p:sldId id="268" r:id="rId14"/>
-    <p:sldId id="269" r:id="rId15"/>
-    <p:sldId id="270" r:id="rId16"/>
-    <p:sldId id="271" r:id="rId17"/>
-    <p:sldId id="272" r:id="rId18"/>
   </p:sldIdLst>
-  <p:sldSz cx="9144000" cy="6858000" type="screen4x3"/>
+  <p:sldSz cx="9144000" cy="5143500" type="screen16x9"/>
   <p:notesSz cx="6858000" cy="9144000"/>
   <p:defaultTextStyle>
     <a:defPPr>
@@ -123,12 +118,12 @@
   <p:extLst>
     <p:ext uri="{EFAFB233-063F-42B5-8137-9DF3F51BA10A}">
       <p15:sldGuideLst xmlns:p15="http://schemas.microsoft.com/office/powerpoint/2012/main">
-        <p15:guide id="1" orient="horz" pos="2160">
+        <p15:guide id="1" orient="horz" pos="1620" userDrawn="1">
           <p15:clr>
             <a:srgbClr val="A4A3A4"/>
           </p15:clr>
         </p15:guide>
-        <p15:guide id="2" pos="2880">
+        <p15:guide id="2" pos="2880" userDrawn="1">
           <p15:clr>
             <a:srgbClr val="A4A3A4"/>
           </p15:clr>
@@ -168,8 +163,8 @@
         </p:nvSpPr>
         <p:spPr>
           <a:xfrm>
-            <a:off x="685800" y="2130425"/>
-            <a:ext cx="7772400" cy="1470025"/>
+            <a:off x="685800" y="1597819"/>
+            <a:ext cx="7772400" cy="1102519"/>
           </a:xfrm>
         </p:spPr>
         <p:txBody>
@@ -177,10 +172,9 @@
           <a:lstStyle/>
           <a:p>
             <a:r>
-              <a:rPr lang="en-US" smtClean="0"/>
+              <a:rPr lang="en-US"/>
               <a:t>Click to edit Master title style</a:t>
             </a:r>
-            <a:endParaRPr lang="en-US"/>
           </a:p>
         </p:txBody>
       </p:sp>
@@ -196,8 +190,8 @@
         </p:nvSpPr>
         <p:spPr>
           <a:xfrm>
-            <a:off x="1371600" y="3886200"/>
-            <a:ext cx="6400800" cy="1752600"/>
+            <a:off x="1371600" y="2914650"/>
+            <a:ext cx="6400800" cy="1314450"/>
           </a:xfrm>
         </p:spPr>
         <p:txBody>
@@ -213,7 +207,7 @@
                 </a:solidFill>
               </a:defRPr>
             </a:lvl1pPr>
-            <a:lvl2pPr marL="457200" indent="0" algn="ctr">
+            <a:lvl2pPr marL="342900" indent="0" algn="ctr">
               <a:buNone/>
               <a:defRPr>
                 <a:solidFill>
@@ -223,7 +217,7 @@
                 </a:solidFill>
               </a:defRPr>
             </a:lvl2pPr>
-            <a:lvl3pPr marL="914400" indent="0" algn="ctr">
+            <a:lvl3pPr marL="685800" indent="0" algn="ctr">
               <a:buNone/>
               <a:defRPr>
                 <a:solidFill>
@@ -233,7 +227,7 @@
                 </a:solidFill>
               </a:defRPr>
             </a:lvl3pPr>
-            <a:lvl4pPr marL="1371600" indent="0" algn="ctr">
+            <a:lvl4pPr marL="1028700" indent="0" algn="ctr">
               <a:buNone/>
               <a:defRPr>
                 <a:solidFill>
@@ -243,7 +237,7 @@
                 </a:solidFill>
               </a:defRPr>
             </a:lvl4pPr>
-            <a:lvl5pPr marL="1828800" indent="0" algn="ctr">
+            <a:lvl5pPr marL="1371600" indent="0" algn="ctr">
               <a:buNone/>
               <a:defRPr>
                 <a:solidFill>
@@ -253,7 +247,7 @@
                 </a:solidFill>
               </a:defRPr>
             </a:lvl5pPr>
-            <a:lvl6pPr marL="2286000" indent="0" algn="ctr">
+            <a:lvl6pPr marL="1714500" indent="0" algn="ctr">
               <a:buNone/>
               <a:defRPr>
                 <a:solidFill>
@@ -263,7 +257,7 @@
                 </a:solidFill>
               </a:defRPr>
             </a:lvl6pPr>
-            <a:lvl7pPr marL="2743200" indent="0" algn="ctr">
+            <a:lvl7pPr marL="2057400" indent="0" algn="ctr">
               <a:buNone/>
               <a:defRPr>
                 <a:solidFill>
@@ -273,7 +267,7 @@
                 </a:solidFill>
               </a:defRPr>
             </a:lvl7pPr>
-            <a:lvl8pPr marL="3200400" indent="0" algn="ctr">
+            <a:lvl8pPr marL="2400300" indent="0" algn="ctr">
               <a:buNone/>
               <a:defRPr>
                 <a:solidFill>
@@ -283,7 +277,7 @@
                 </a:solidFill>
               </a:defRPr>
             </a:lvl8pPr>
-            <a:lvl9pPr marL="3657600" indent="0" algn="ctr">
+            <a:lvl9pPr marL="2743200" indent="0" algn="ctr">
               <a:buNone/>
               <a:defRPr>
                 <a:solidFill>
@@ -296,10 +290,9 @@
           </a:lstStyle>
           <a:p>
             <a:r>
-              <a:rPr lang="en-US" smtClean="0"/>
+              <a:rPr lang="en-US"/>
               <a:t>Click to edit Master subtitle style</a:t>
             </a:r>
-            <a:endParaRPr lang="en-US"/>
           </a:p>
         </p:txBody>
       </p:sp>
@@ -320,7 +313,7 @@
           <a:p>
             <a:fld id="{241EB5C9-1307-BA42-ABA2-0BC069CD8E7F}" type="datetimeFigureOut">
               <a:rPr lang="en-US" smtClean="0"/>
-              <a:t>4/5/2019</a:t>
+              <a:t>1/2/22</a:t>
             </a:fld>
             <a:endParaRPr lang="en-US"/>
           </a:p>
@@ -414,10 +407,9 @@
           <a:lstStyle/>
           <a:p>
             <a:r>
-              <a:rPr lang="en-US" smtClean="0"/>
+              <a:rPr lang="en-US"/>
               <a:t>Click to edit Master title style</a:t>
             </a:r>
-            <a:endParaRPr lang="en-US"/>
           </a:p>
         </p:txBody>
       </p:sp>
@@ -438,38 +430,37 @@
           <a:p>
             <a:pPr lvl="0"/>
             <a:r>
-              <a:rPr lang="en-US" smtClean="0"/>
+              <a:rPr lang="en-US"/>
               <a:t>Click to edit Master text styles</a:t>
             </a:r>
           </a:p>
           <a:p>
             <a:pPr lvl="1"/>
             <a:r>
-              <a:rPr lang="en-US" smtClean="0"/>
+              <a:rPr lang="en-US"/>
               <a:t>Second level</a:t>
             </a:r>
           </a:p>
           <a:p>
             <a:pPr lvl="2"/>
             <a:r>
-              <a:rPr lang="en-US" smtClean="0"/>
+              <a:rPr lang="en-US"/>
               <a:t>Third level</a:t>
             </a:r>
           </a:p>
           <a:p>
             <a:pPr lvl="3"/>
             <a:r>
-              <a:rPr lang="en-US" smtClean="0"/>
+              <a:rPr lang="en-US"/>
               <a:t>Fourth level</a:t>
             </a:r>
           </a:p>
           <a:p>
             <a:pPr lvl="4"/>
             <a:r>
-              <a:rPr lang="en-US" smtClean="0"/>
+              <a:rPr lang="en-US"/>
               <a:t>Fifth level</a:t>
             </a:r>
-            <a:endParaRPr lang="en-US"/>
           </a:p>
         </p:txBody>
       </p:sp>
@@ -490,7 +481,7 @@
           <a:p>
             <a:fld id="{241EB5C9-1307-BA42-ABA2-0BC069CD8E7F}" type="datetimeFigureOut">
               <a:rPr lang="en-US" smtClean="0"/>
-              <a:t>4/5/2019</a:t>
+              <a:t>1/2/22</a:t>
             </a:fld>
             <a:endParaRPr lang="en-US"/>
           </a:p>
@@ -580,8 +571,8 @@
         </p:nvSpPr>
         <p:spPr>
           <a:xfrm>
-            <a:off x="6629400" y="274638"/>
-            <a:ext cx="2057400" cy="5851525"/>
+            <a:off x="6629400" y="205979"/>
+            <a:ext cx="2057400" cy="4388644"/>
           </a:xfrm>
         </p:spPr>
         <p:txBody>
@@ -589,10 +580,9 @@
           <a:lstStyle/>
           <a:p>
             <a:r>
-              <a:rPr lang="en-US" smtClean="0"/>
+              <a:rPr lang="en-US"/>
               <a:t>Click to edit Master title style</a:t>
             </a:r>
-            <a:endParaRPr lang="en-US"/>
           </a:p>
         </p:txBody>
       </p:sp>
@@ -608,8 +598,8 @@
         </p:nvSpPr>
         <p:spPr>
           <a:xfrm>
-            <a:off x="457200" y="274638"/>
-            <a:ext cx="6019800" cy="5851525"/>
+            <a:off x="457200" y="205979"/>
+            <a:ext cx="6019800" cy="4388644"/>
           </a:xfrm>
         </p:spPr>
         <p:txBody>
@@ -618,38 +608,37 @@
           <a:p>
             <a:pPr lvl="0"/>
             <a:r>
-              <a:rPr lang="en-US" smtClean="0"/>
+              <a:rPr lang="en-US"/>
               <a:t>Click to edit Master text styles</a:t>
             </a:r>
           </a:p>
           <a:p>
             <a:pPr lvl="1"/>
             <a:r>
-              <a:rPr lang="en-US" smtClean="0"/>
+              <a:rPr lang="en-US"/>
               <a:t>Second level</a:t>
             </a:r>
           </a:p>
           <a:p>
             <a:pPr lvl="2"/>
             <a:r>
-              <a:rPr lang="en-US" smtClean="0"/>
+              <a:rPr lang="en-US"/>
               <a:t>Third level</a:t>
             </a:r>
           </a:p>
           <a:p>
             <a:pPr lvl="3"/>
             <a:r>
-              <a:rPr lang="en-US" smtClean="0"/>
+              <a:rPr lang="en-US"/>
               <a:t>Fourth level</a:t>
             </a:r>
           </a:p>
           <a:p>
             <a:pPr lvl="4"/>
             <a:r>
-              <a:rPr lang="en-US" smtClean="0"/>
+              <a:rPr lang="en-US"/>
               <a:t>Fifth level</a:t>
             </a:r>
-            <a:endParaRPr lang="en-US"/>
           </a:p>
         </p:txBody>
       </p:sp>
@@ -670,7 +659,7 @@
           <a:p>
             <a:fld id="{241EB5C9-1307-BA42-ABA2-0BC069CD8E7F}" type="datetimeFigureOut">
               <a:rPr lang="en-US" smtClean="0"/>
-              <a:t>4/5/2019</a:t>
+              <a:t>1/2/22</a:t>
             </a:fld>
             <a:endParaRPr lang="en-US"/>
           </a:p>
@@ -764,10 +753,9 @@
           <a:lstStyle/>
           <a:p>
             <a:r>
-              <a:rPr lang="en-US" smtClean="0"/>
+              <a:rPr lang="en-US"/>
               <a:t>Click to edit Master title style</a:t>
             </a:r>
-            <a:endParaRPr lang="en-US"/>
           </a:p>
         </p:txBody>
       </p:sp>
@@ -788,38 +776,37 @@
           <a:p>
             <a:pPr lvl="0"/>
             <a:r>
-              <a:rPr lang="en-US" smtClean="0"/>
+              <a:rPr lang="en-US"/>
               <a:t>Click to edit Master text styles</a:t>
             </a:r>
           </a:p>
           <a:p>
             <a:pPr lvl="1"/>
             <a:r>
-              <a:rPr lang="en-US" smtClean="0"/>
+              <a:rPr lang="en-US"/>
               <a:t>Second level</a:t>
             </a:r>
           </a:p>
           <a:p>
             <a:pPr lvl="2"/>
             <a:r>
-              <a:rPr lang="en-US" smtClean="0"/>
+              <a:rPr lang="en-US"/>
               <a:t>Third level</a:t>
             </a:r>
           </a:p>
           <a:p>
             <a:pPr lvl="3"/>
             <a:r>
-              <a:rPr lang="en-US" smtClean="0"/>
+              <a:rPr lang="en-US"/>
               <a:t>Fourth level</a:t>
             </a:r>
           </a:p>
           <a:p>
             <a:pPr lvl="4"/>
             <a:r>
-              <a:rPr lang="en-US" smtClean="0"/>
+              <a:rPr lang="en-US"/>
               <a:t>Fifth level</a:t>
             </a:r>
-            <a:endParaRPr lang="en-US"/>
           </a:p>
         </p:txBody>
       </p:sp>
@@ -840,7 +827,7 @@
           <a:p>
             <a:fld id="{241EB5C9-1307-BA42-ABA2-0BC069CD8E7F}" type="datetimeFigureOut">
               <a:rPr lang="en-US" smtClean="0"/>
-              <a:t>4/5/2019</a:t>
+              <a:t>1/2/22</a:t>
             </a:fld>
             <a:endParaRPr lang="en-US"/>
           </a:p>
@@ -930,23 +917,22 @@
         </p:nvSpPr>
         <p:spPr>
           <a:xfrm>
-            <a:off x="722313" y="4406900"/>
-            <a:ext cx="7772400" cy="1362075"/>
+            <a:off x="722313" y="3305176"/>
+            <a:ext cx="7772400" cy="1021556"/>
           </a:xfrm>
         </p:spPr>
         <p:txBody>
           <a:bodyPr anchor="t"/>
           <a:lstStyle>
             <a:lvl1pPr algn="l">
-              <a:defRPr sz="4000" b="1" cap="all"/>
+              <a:defRPr sz="3000" b="1" cap="all"/>
             </a:lvl1pPr>
           </a:lstStyle>
           <a:p>
             <a:r>
-              <a:rPr lang="en-US" smtClean="0"/>
+              <a:rPr lang="en-US"/>
               <a:t>Click to edit Master title style</a:t>
             </a:r>
-            <a:endParaRPr lang="en-US"/>
           </a:p>
         </p:txBody>
       </p:sp>
@@ -962,8 +948,8 @@
         </p:nvSpPr>
         <p:spPr>
           <a:xfrm>
-            <a:off x="722313" y="2906713"/>
-            <a:ext cx="7772400" cy="1500187"/>
+            <a:off x="722313" y="2180035"/>
+            <a:ext cx="7772400" cy="1125140"/>
           </a:xfrm>
         </p:spPr>
         <p:txBody>
@@ -971,7 +957,7 @@
           <a:lstStyle>
             <a:lvl1pPr marL="0" indent="0">
               <a:buNone/>
-              <a:defRPr sz="2000">
+              <a:defRPr sz="1500">
                 <a:solidFill>
                   <a:schemeClr val="tx1">
                     <a:tint val="75000"/>
@@ -979,9 +965,9 @@
                 </a:solidFill>
               </a:defRPr>
             </a:lvl1pPr>
-            <a:lvl2pPr marL="457200" indent="0">
-              <a:buNone/>
-              <a:defRPr sz="1800">
+            <a:lvl2pPr marL="342900" indent="0">
+              <a:buNone/>
+              <a:defRPr sz="1350">
                 <a:solidFill>
                   <a:schemeClr val="tx1">
                     <a:tint val="75000"/>
@@ -989,9 +975,9 @@
                 </a:solidFill>
               </a:defRPr>
             </a:lvl2pPr>
-            <a:lvl3pPr marL="914400" indent="0">
-              <a:buNone/>
-              <a:defRPr sz="1600">
+            <a:lvl3pPr marL="685800" indent="0">
+              <a:buNone/>
+              <a:defRPr sz="1200">
                 <a:solidFill>
                   <a:schemeClr val="tx1">
                     <a:tint val="75000"/>
@@ -999,9 +985,9 @@
                 </a:solidFill>
               </a:defRPr>
             </a:lvl3pPr>
-            <a:lvl4pPr marL="1371600" indent="0">
-              <a:buNone/>
-              <a:defRPr sz="1400">
+            <a:lvl4pPr marL="1028700" indent="0">
+              <a:buNone/>
+              <a:defRPr sz="1050">
                 <a:solidFill>
                   <a:schemeClr val="tx1">
                     <a:tint val="75000"/>
@@ -1009,9 +995,9 @@
                 </a:solidFill>
               </a:defRPr>
             </a:lvl4pPr>
-            <a:lvl5pPr marL="1828800" indent="0">
-              <a:buNone/>
-              <a:defRPr sz="1400">
+            <a:lvl5pPr marL="1371600" indent="0">
+              <a:buNone/>
+              <a:defRPr sz="1050">
                 <a:solidFill>
                   <a:schemeClr val="tx1">
                     <a:tint val="75000"/>
@@ -1019,9 +1005,9 @@
                 </a:solidFill>
               </a:defRPr>
             </a:lvl5pPr>
-            <a:lvl6pPr marL="2286000" indent="0">
-              <a:buNone/>
-              <a:defRPr sz="1400">
+            <a:lvl6pPr marL="1714500" indent="0">
+              <a:buNone/>
+              <a:defRPr sz="1050">
                 <a:solidFill>
                   <a:schemeClr val="tx1">
                     <a:tint val="75000"/>
@@ -1029,9 +1015,9 @@
                 </a:solidFill>
               </a:defRPr>
             </a:lvl6pPr>
-            <a:lvl7pPr marL="2743200" indent="0">
-              <a:buNone/>
-              <a:defRPr sz="1400">
+            <a:lvl7pPr marL="2057400" indent="0">
+              <a:buNone/>
+              <a:defRPr sz="1050">
                 <a:solidFill>
                   <a:schemeClr val="tx1">
                     <a:tint val="75000"/>
@@ -1039,9 +1025,9 @@
                 </a:solidFill>
               </a:defRPr>
             </a:lvl7pPr>
-            <a:lvl8pPr marL="3200400" indent="0">
-              <a:buNone/>
-              <a:defRPr sz="1400">
+            <a:lvl8pPr marL="2400300" indent="0">
+              <a:buNone/>
+              <a:defRPr sz="1050">
                 <a:solidFill>
                   <a:schemeClr val="tx1">
                     <a:tint val="75000"/>
@@ -1049,9 +1035,9 @@
                 </a:solidFill>
               </a:defRPr>
             </a:lvl8pPr>
-            <a:lvl9pPr marL="3657600" indent="0">
-              <a:buNone/>
-              <a:defRPr sz="1400">
+            <a:lvl9pPr marL="2743200" indent="0">
+              <a:buNone/>
+              <a:defRPr sz="1050">
                 <a:solidFill>
                   <a:schemeClr val="tx1">
                     <a:tint val="75000"/>
@@ -1063,7 +1049,7 @@
           <a:p>
             <a:pPr lvl="0"/>
             <a:r>
-              <a:rPr lang="en-US" smtClean="0"/>
+              <a:rPr lang="en-US"/>
               <a:t>Click to edit Master text styles</a:t>
             </a:r>
           </a:p>
@@ -1086,7 +1072,7 @@
           <a:p>
             <a:fld id="{241EB5C9-1307-BA42-ABA2-0BC069CD8E7F}" type="datetimeFigureOut">
               <a:rPr lang="en-US" smtClean="0"/>
-              <a:t>4/5/2019</a:t>
+              <a:t>1/2/22</a:t>
             </a:fld>
             <a:endParaRPr lang="en-US"/>
           </a:p>
@@ -1180,10 +1166,9 @@
           <a:lstStyle/>
           <a:p>
             <a:r>
-              <a:rPr lang="en-US" smtClean="0"/>
+              <a:rPr lang="en-US"/>
               <a:t>Click to edit Master title style</a:t>
             </a:r>
-            <a:endParaRPr lang="en-US"/>
           </a:p>
         </p:txBody>
       </p:sp>
@@ -1199,76 +1184,75 @@
         </p:nvSpPr>
         <p:spPr>
           <a:xfrm>
-            <a:off x="457200" y="1600200"/>
-            <a:ext cx="4038600" cy="4525963"/>
+            <a:off x="457200" y="1200151"/>
+            <a:ext cx="4038600" cy="3394472"/>
           </a:xfrm>
         </p:spPr>
         <p:txBody>
           <a:bodyPr/>
           <a:lstStyle>
             <a:lvl1pPr>
-              <a:defRPr sz="2800"/>
+              <a:defRPr sz="2100"/>
             </a:lvl1pPr>
             <a:lvl2pPr>
-              <a:defRPr sz="2400"/>
+              <a:defRPr sz="1800"/>
             </a:lvl2pPr>
             <a:lvl3pPr>
-              <a:defRPr sz="2000"/>
+              <a:defRPr sz="1500"/>
             </a:lvl3pPr>
             <a:lvl4pPr>
-              <a:defRPr sz="1800"/>
+              <a:defRPr sz="1350"/>
             </a:lvl4pPr>
             <a:lvl5pPr>
-              <a:defRPr sz="1800"/>
+              <a:defRPr sz="1350"/>
             </a:lvl5pPr>
             <a:lvl6pPr>
-              <a:defRPr sz="1800"/>
+              <a:defRPr sz="1350"/>
             </a:lvl6pPr>
             <a:lvl7pPr>
-              <a:defRPr sz="1800"/>
+              <a:defRPr sz="1350"/>
             </a:lvl7pPr>
             <a:lvl8pPr>
-              <a:defRPr sz="1800"/>
+              <a:defRPr sz="1350"/>
             </a:lvl8pPr>
             <a:lvl9pPr>
-              <a:defRPr sz="1800"/>
+              <a:defRPr sz="1350"/>
             </a:lvl9pPr>
           </a:lstStyle>
           <a:p>
             <a:pPr lvl="0"/>
             <a:r>
-              <a:rPr lang="en-US" smtClean="0"/>
+              <a:rPr lang="en-US"/>
               <a:t>Click to edit Master text styles</a:t>
             </a:r>
           </a:p>
           <a:p>
             <a:pPr lvl="1"/>
             <a:r>
-              <a:rPr lang="en-US" smtClean="0"/>
+              <a:rPr lang="en-US"/>
               <a:t>Second level</a:t>
             </a:r>
           </a:p>
           <a:p>
             <a:pPr lvl="2"/>
             <a:r>
-              <a:rPr lang="en-US" smtClean="0"/>
+              <a:rPr lang="en-US"/>
               <a:t>Third level</a:t>
             </a:r>
           </a:p>
           <a:p>
             <a:pPr lvl="3"/>
             <a:r>
-              <a:rPr lang="en-US" smtClean="0"/>
+              <a:rPr lang="en-US"/>
               <a:t>Fourth level</a:t>
             </a:r>
           </a:p>
           <a:p>
             <a:pPr lvl="4"/>
             <a:r>
-              <a:rPr lang="en-US" smtClean="0"/>
+              <a:rPr lang="en-US"/>
               <a:t>Fifth level</a:t>
             </a:r>
-            <a:endParaRPr lang="en-US"/>
           </a:p>
         </p:txBody>
       </p:sp>
@@ -1284,76 +1268,75 @@
         </p:nvSpPr>
         <p:spPr>
           <a:xfrm>
-            <a:off x="4648200" y="1600200"/>
-            <a:ext cx="4038600" cy="4525963"/>
+            <a:off x="4648200" y="1200151"/>
+            <a:ext cx="4038600" cy="3394472"/>
           </a:xfrm>
         </p:spPr>
         <p:txBody>
           <a:bodyPr/>
           <a:lstStyle>
             <a:lvl1pPr>
-              <a:defRPr sz="2800"/>
+              <a:defRPr sz="2100"/>
             </a:lvl1pPr>
             <a:lvl2pPr>
-              <a:defRPr sz="2400"/>
+              <a:defRPr sz="1800"/>
             </a:lvl2pPr>
             <a:lvl3pPr>
-              <a:defRPr sz="2000"/>
+              <a:defRPr sz="1500"/>
             </a:lvl3pPr>
             <a:lvl4pPr>
-              <a:defRPr sz="1800"/>
+              <a:defRPr sz="1350"/>
             </a:lvl4pPr>
             <a:lvl5pPr>
-              <a:defRPr sz="1800"/>
+              <a:defRPr sz="1350"/>
             </a:lvl5pPr>
             <a:lvl6pPr>
-              <a:defRPr sz="1800"/>
+              <a:defRPr sz="1350"/>
             </a:lvl6pPr>
             <a:lvl7pPr>
-              <a:defRPr sz="1800"/>
+              <a:defRPr sz="1350"/>
             </a:lvl7pPr>
             <a:lvl8pPr>
-              <a:defRPr sz="1800"/>
+              <a:defRPr sz="1350"/>
             </a:lvl8pPr>
             <a:lvl9pPr>
-              <a:defRPr sz="1800"/>
+              <a:defRPr sz="1350"/>
             </a:lvl9pPr>
           </a:lstStyle>
           <a:p>
             <a:pPr lvl="0"/>
             <a:r>
-              <a:rPr lang="en-US" smtClean="0"/>
+              <a:rPr lang="en-US"/>
               <a:t>Click to edit Master text styles</a:t>
             </a:r>
           </a:p>
           <a:p>
             <a:pPr lvl="1"/>
             <a:r>
-              <a:rPr lang="en-US" smtClean="0"/>
+              <a:rPr lang="en-US"/>
               <a:t>Second level</a:t>
             </a:r>
           </a:p>
           <a:p>
             <a:pPr lvl="2"/>
             <a:r>
-              <a:rPr lang="en-US" smtClean="0"/>
+              <a:rPr lang="en-US"/>
               <a:t>Third level</a:t>
             </a:r>
           </a:p>
           <a:p>
             <a:pPr lvl="3"/>
             <a:r>
-              <a:rPr lang="en-US" smtClean="0"/>
+              <a:rPr lang="en-US"/>
               <a:t>Fourth level</a:t>
             </a:r>
           </a:p>
           <a:p>
             <a:pPr lvl="4"/>
             <a:r>
-              <a:rPr lang="en-US" smtClean="0"/>
+              <a:rPr lang="en-US"/>
               <a:t>Fifth level</a:t>
             </a:r>
-            <a:endParaRPr lang="en-US"/>
           </a:p>
         </p:txBody>
       </p:sp>
@@ -1374,7 +1357,7 @@
           <a:p>
             <a:fld id="{241EB5C9-1307-BA42-ABA2-0BC069CD8E7F}" type="datetimeFigureOut">
               <a:rPr lang="en-US" smtClean="0"/>
-              <a:t>4/5/2019</a:t>
+              <a:t>1/2/22</a:t>
             </a:fld>
             <a:endParaRPr lang="en-US"/>
           </a:p>
@@ -1472,10 +1455,9 @@
           </a:lstStyle>
           <a:p>
             <a:r>
-              <a:rPr lang="en-US" smtClean="0"/>
+              <a:rPr lang="en-US"/>
               <a:t>Click to edit Master title style</a:t>
             </a:r>
-            <a:endParaRPr lang="en-US"/>
           </a:p>
         </p:txBody>
       </p:sp>
@@ -1491,8 +1473,8 @@
         </p:nvSpPr>
         <p:spPr>
           <a:xfrm>
-            <a:off x="457200" y="1535113"/>
-            <a:ext cx="4040188" cy="639762"/>
+            <a:off x="457200" y="1151335"/>
+            <a:ext cx="4040188" cy="479822"/>
           </a:xfrm>
         </p:spPr>
         <p:txBody>
@@ -1500,45 +1482,45 @@
           <a:lstStyle>
             <a:lvl1pPr marL="0" indent="0">
               <a:buNone/>
-              <a:defRPr sz="2400" b="1"/>
+              <a:defRPr sz="1800" b="1"/>
             </a:lvl1pPr>
-            <a:lvl2pPr marL="457200" indent="0">
-              <a:buNone/>
-              <a:defRPr sz="2000" b="1"/>
+            <a:lvl2pPr marL="342900" indent="0">
+              <a:buNone/>
+              <a:defRPr sz="1500" b="1"/>
             </a:lvl2pPr>
-            <a:lvl3pPr marL="914400" indent="0">
-              <a:buNone/>
-              <a:defRPr sz="1800" b="1"/>
+            <a:lvl3pPr marL="685800" indent="0">
+              <a:buNone/>
+              <a:defRPr sz="1350" b="1"/>
             </a:lvl3pPr>
-            <a:lvl4pPr marL="1371600" indent="0">
-              <a:buNone/>
-              <a:defRPr sz="1600" b="1"/>
+            <a:lvl4pPr marL="1028700" indent="0">
+              <a:buNone/>
+              <a:defRPr sz="1200" b="1"/>
             </a:lvl4pPr>
-            <a:lvl5pPr marL="1828800" indent="0">
-              <a:buNone/>
-              <a:defRPr sz="1600" b="1"/>
+            <a:lvl5pPr marL="1371600" indent="0">
+              <a:buNone/>
+              <a:defRPr sz="1200" b="1"/>
             </a:lvl5pPr>
-            <a:lvl6pPr marL="2286000" indent="0">
-              <a:buNone/>
-              <a:defRPr sz="1600" b="1"/>
+            <a:lvl6pPr marL="1714500" indent="0">
+              <a:buNone/>
+              <a:defRPr sz="1200" b="1"/>
             </a:lvl6pPr>
-            <a:lvl7pPr marL="2743200" indent="0">
-              <a:buNone/>
-              <a:defRPr sz="1600" b="1"/>
+            <a:lvl7pPr marL="2057400" indent="0">
+              <a:buNone/>
+              <a:defRPr sz="1200" b="1"/>
             </a:lvl7pPr>
-            <a:lvl8pPr marL="3200400" indent="0">
-              <a:buNone/>
-              <a:defRPr sz="1600" b="1"/>
+            <a:lvl8pPr marL="2400300" indent="0">
+              <a:buNone/>
+              <a:defRPr sz="1200" b="1"/>
             </a:lvl8pPr>
-            <a:lvl9pPr marL="3657600" indent="0">
-              <a:buNone/>
-              <a:defRPr sz="1600" b="1"/>
+            <a:lvl9pPr marL="2743200" indent="0">
+              <a:buNone/>
+              <a:defRPr sz="1200" b="1"/>
             </a:lvl9pPr>
           </a:lstStyle>
           <a:p>
             <a:pPr lvl="0"/>
             <a:r>
-              <a:rPr lang="en-US" smtClean="0"/>
+              <a:rPr lang="en-US"/>
               <a:t>Click to edit Master text styles</a:t>
             </a:r>
           </a:p>
@@ -1556,76 +1538,75 @@
         </p:nvSpPr>
         <p:spPr>
           <a:xfrm>
-            <a:off x="457200" y="2174875"/>
-            <a:ext cx="4040188" cy="3951288"/>
+            <a:off x="457200" y="1631156"/>
+            <a:ext cx="4040188" cy="2963466"/>
           </a:xfrm>
         </p:spPr>
         <p:txBody>
           <a:bodyPr/>
           <a:lstStyle>
             <a:lvl1pPr>
-              <a:defRPr sz="2400"/>
+              <a:defRPr sz="1800"/>
             </a:lvl1pPr>
             <a:lvl2pPr>
-              <a:defRPr sz="2000"/>
+              <a:defRPr sz="1500"/>
             </a:lvl2pPr>
             <a:lvl3pPr>
-              <a:defRPr sz="1800"/>
+              <a:defRPr sz="1350"/>
             </a:lvl3pPr>
             <a:lvl4pPr>
-              <a:defRPr sz="1600"/>
+              <a:defRPr sz="1200"/>
             </a:lvl4pPr>
             <a:lvl5pPr>
-              <a:defRPr sz="1600"/>
+              <a:defRPr sz="1200"/>
             </a:lvl5pPr>
             <a:lvl6pPr>
-              <a:defRPr sz="1600"/>
+              <a:defRPr sz="1200"/>
             </a:lvl6pPr>
             <a:lvl7pPr>
-              <a:defRPr sz="1600"/>
+              <a:defRPr sz="1200"/>
             </a:lvl7pPr>
             <a:lvl8pPr>
-              <a:defRPr sz="1600"/>
+              <a:defRPr sz="1200"/>
             </a:lvl8pPr>
             <a:lvl9pPr>
-              <a:defRPr sz="1600"/>
+              <a:defRPr sz="1200"/>
             </a:lvl9pPr>
           </a:lstStyle>
           <a:p>
             <a:pPr lvl="0"/>
             <a:r>
-              <a:rPr lang="en-US" smtClean="0"/>
+              <a:rPr lang="en-US"/>
               <a:t>Click to edit Master text styles</a:t>
             </a:r>
           </a:p>
           <a:p>
             <a:pPr lvl="1"/>
             <a:r>
-              <a:rPr lang="en-US" smtClean="0"/>
+              <a:rPr lang="en-US"/>
               <a:t>Second level</a:t>
             </a:r>
           </a:p>
           <a:p>
             <a:pPr lvl="2"/>
             <a:r>
-              <a:rPr lang="en-US" smtClean="0"/>
+              <a:rPr lang="en-US"/>
               <a:t>Third level</a:t>
             </a:r>
           </a:p>
           <a:p>
             <a:pPr lvl="3"/>
             <a:r>
-              <a:rPr lang="en-US" smtClean="0"/>
+              <a:rPr lang="en-US"/>
               <a:t>Fourth level</a:t>
             </a:r>
           </a:p>
           <a:p>
             <a:pPr lvl="4"/>
             <a:r>
-              <a:rPr lang="en-US" smtClean="0"/>
+              <a:rPr lang="en-US"/>
               <a:t>Fifth level</a:t>
             </a:r>
-            <a:endParaRPr lang="en-US"/>
           </a:p>
         </p:txBody>
       </p:sp>
@@ -1641,8 +1622,8 @@
         </p:nvSpPr>
         <p:spPr>
           <a:xfrm>
-            <a:off x="4645025" y="1535113"/>
-            <a:ext cx="4041775" cy="639762"/>
+            <a:off x="4645026" y="1151335"/>
+            <a:ext cx="4041775" cy="479822"/>
           </a:xfrm>
         </p:spPr>
         <p:txBody>
@@ -1650,45 +1631,45 @@
           <a:lstStyle>
             <a:lvl1pPr marL="0" indent="0">
               <a:buNone/>
-              <a:defRPr sz="2400" b="1"/>
+              <a:defRPr sz="1800" b="1"/>
             </a:lvl1pPr>
-            <a:lvl2pPr marL="457200" indent="0">
-              <a:buNone/>
-              <a:defRPr sz="2000" b="1"/>
+            <a:lvl2pPr marL="342900" indent="0">
+              <a:buNone/>
+              <a:defRPr sz="1500" b="1"/>
             </a:lvl2pPr>
-            <a:lvl3pPr marL="914400" indent="0">
-              <a:buNone/>
-              <a:defRPr sz="1800" b="1"/>
+            <a:lvl3pPr marL="685800" indent="0">
+              <a:buNone/>
+              <a:defRPr sz="1350" b="1"/>
             </a:lvl3pPr>
-            <a:lvl4pPr marL="1371600" indent="0">
-              <a:buNone/>
-              <a:defRPr sz="1600" b="1"/>
+            <a:lvl4pPr marL="1028700" indent="0">
+              <a:buNone/>
+              <a:defRPr sz="1200" b="1"/>
             </a:lvl4pPr>
-            <a:lvl5pPr marL="1828800" indent="0">
-              <a:buNone/>
-              <a:defRPr sz="1600" b="1"/>
+            <a:lvl5pPr marL="1371600" indent="0">
+              <a:buNone/>
+              <a:defRPr sz="1200" b="1"/>
             </a:lvl5pPr>
-            <a:lvl6pPr marL="2286000" indent="0">
-              <a:buNone/>
-              <a:defRPr sz="1600" b="1"/>
+            <a:lvl6pPr marL="1714500" indent="0">
+              <a:buNone/>
+              <a:defRPr sz="1200" b="1"/>
             </a:lvl6pPr>
-            <a:lvl7pPr marL="2743200" indent="0">
-              <a:buNone/>
-              <a:defRPr sz="1600" b="1"/>
+            <a:lvl7pPr marL="2057400" indent="0">
+              <a:buNone/>
+              <a:defRPr sz="1200" b="1"/>
             </a:lvl7pPr>
-            <a:lvl8pPr marL="3200400" indent="0">
-              <a:buNone/>
-              <a:defRPr sz="1600" b="1"/>
+            <a:lvl8pPr marL="2400300" indent="0">
+              <a:buNone/>
+              <a:defRPr sz="1200" b="1"/>
             </a:lvl8pPr>
-            <a:lvl9pPr marL="3657600" indent="0">
-              <a:buNone/>
-              <a:defRPr sz="1600" b="1"/>
+            <a:lvl9pPr marL="2743200" indent="0">
+              <a:buNone/>
+              <a:defRPr sz="1200" b="1"/>
             </a:lvl9pPr>
           </a:lstStyle>
           <a:p>
             <a:pPr lvl="0"/>
             <a:r>
-              <a:rPr lang="en-US" smtClean="0"/>
+              <a:rPr lang="en-US"/>
               <a:t>Click to edit Master text styles</a:t>
             </a:r>
           </a:p>
@@ -1706,76 +1687,75 @@
         </p:nvSpPr>
         <p:spPr>
           <a:xfrm>
-            <a:off x="4645025" y="2174875"/>
-            <a:ext cx="4041775" cy="3951288"/>
+            <a:off x="4645026" y="1631156"/>
+            <a:ext cx="4041775" cy="2963466"/>
           </a:xfrm>
         </p:spPr>
         <p:txBody>
           <a:bodyPr/>
           <a:lstStyle>
             <a:lvl1pPr>
-              <a:defRPr sz="2400"/>
+              <a:defRPr sz="1800"/>
             </a:lvl1pPr>
             <a:lvl2pPr>
-              <a:defRPr sz="2000"/>
+              <a:defRPr sz="1500"/>
             </a:lvl2pPr>
             <a:lvl3pPr>
-              <a:defRPr sz="1800"/>
+              <a:defRPr sz="1350"/>
             </a:lvl3pPr>
             <a:lvl4pPr>
-              <a:defRPr sz="1600"/>
+              <a:defRPr sz="1200"/>
             </a:lvl4pPr>
             <a:lvl5pPr>
-              <a:defRPr sz="1600"/>
+              <a:defRPr sz="1200"/>
             </a:lvl5pPr>
             <a:lvl6pPr>
-              <a:defRPr sz="1600"/>
+              <a:defRPr sz="1200"/>
             </a:lvl6pPr>
             <a:lvl7pPr>
-              <a:defRPr sz="1600"/>
+              <a:defRPr sz="1200"/>
             </a:lvl7pPr>
             <a:lvl8pPr>
-              <a:defRPr sz="1600"/>
+              <a:defRPr sz="1200"/>
             </a:lvl8pPr>
             <a:lvl9pPr>
-              <a:defRPr sz="1600"/>
+              <a:defRPr sz="1200"/>
             </a:lvl9pPr>
           </a:lstStyle>
           <a:p>
             <a:pPr lvl="0"/>
             <a:r>
-              <a:rPr lang="en-US" smtClean="0"/>
+              <a:rPr lang="en-US"/>
               <a:t>Click to edit Master text styles</a:t>
             </a:r>
           </a:p>
           <a:p>
             <a:pPr lvl="1"/>
             <a:r>
-              <a:rPr lang="en-US" smtClean="0"/>
+              <a:rPr lang="en-US"/>
               <a:t>Second level</a:t>
             </a:r>
           </a:p>
           <a:p>
             <a:pPr lvl="2"/>
             <a:r>
-              <a:rPr lang="en-US" smtClean="0"/>
+              <a:rPr lang="en-US"/>
               <a:t>Third level</a:t>
             </a:r>
           </a:p>
           <a:p>
             <a:pPr lvl="3"/>
             <a:r>
-              <a:rPr lang="en-US" smtClean="0"/>
+              <a:rPr lang="en-US"/>
               <a:t>Fourth level</a:t>
             </a:r>
           </a:p>
           <a:p>
             <a:pPr lvl="4"/>
             <a:r>
-              <a:rPr lang="en-US" smtClean="0"/>
+              <a:rPr lang="en-US"/>
               <a:t>Fifth level</a:t>
             </a:r>
-            <a:endParaRPr lang="en-US"/>
           </a:p>
         </p:txBody>
       </p:sp>
@@ -1796,7 +1776,7 @@
           <a:p>
             <a:fld id="{241EB5C9-1307-BA42-ABA2-0BC069CD8E7F}" type="datetimeFigureOut">
               <a:rPr lang="en-US" smtClean="0"/>
-              <a:t>4/5/2019</a:t>
+              <a:t>1/2/22</a:t>
             </a:fld>
             <a:endParaRPr lang="en-US"/>
           </a:p>
@@ -1890,10 +1870,9 @@
           <a:lstStyle/>
           <a:p>
             <a:r>
-              <a:rPr lang="en-US" smtClean="0"/>
+              <a:rPr lang="en-US"/>
               <a:t>Click to edit Master title style</a:t>
             </a:r>
-            <a:endParaRPr lang="en-US"/>
           </a:p>
         </p:txBody>
       </p:sp>
@@ -1914,7 +1893,7 @@
           <a:p>
             <a:fld id="{241EB5C9-1307-BA42-ABA2-0BC069CD8E7F}" type="datetimeFigureOut">
               <a:rPr lang="en-US" smtClean="0"/>
-              <a:t>4/5/2019</a:t>
+              <a:t>1/2/22</a:t>
             </a:fld>
             <a:endParaRPr lang="en-US"/>
           </a:p>
@@ -2009,7 +1988,7 @@
           <a:p>
             <a:fld id="{241EB5C9-1307-BA42-ABA2-0BC069CD8E7F}" type="datetimeFigureOut">
               <a:rPr lang="en-US" smtClean="0"/>
-              <a:t>4/5/2019</a:t>
+              <a:t>1/2/22</a:t>
             </a:fld>
             <a:endParaRPr lang="en-US"/>
           </a:p>
@@ -2099,23 +2078,22 @@
         </p:nvSpPr>
         <p:spPr>
           <a:xfrm>
-            <a:off x="457200" y="273050"/>
-            <a:ext cx="3008313" cy="1162050"/>
+            <a:off x="457201" y="204787"/>
+            <a:ext cx="3008313" cy="871538"/>
           </a:xfrm>
         </p:spPr>
         <p:txBody>
           <a:bodyPr anchor="b"/>
           <a:lstStyle>
             <a:lvl1pPr algn="l">
-              <a:defRPr sz="2000" b="1"/>
+              <a:defRPr sz="1500" b="1"/>
             </a:lvl1pPr>
           </a:lstStyle>
           <a:p>
             <a:r>
-              <a:rPr lang="en-US" smtClean="0"/>
+              <a:rPr lang="en-US"/>
               <a:t>Click to edit Master title style</a:t>
             </a:r>
-            <a:endParaRPr lang="en-US"/>
           </a:p>
         </p:txBody>
       </p:sp>
@@ -2131,76 +2109,75 @@
         </p:nvSpPr>
         <p:spPr>
           <a:xfrm>
-            <a:off x="3575050" y="273050"/>
-            <a:ext cx="5111750" cy="5853113"/>
+            <a:off x="3575050" y="204788"/>
+            <a:ext cx="5111750" cy="4389835"/>
           </a:xfrm>
         </p:spPr>
         <p:txBody>
           <a:bodyPr/>
           <a:lstStyle>
             <a:lvl1pPr>
-              <a:defRPr sz="3200"/>
+              <a:defRPr sz="2400"/>
             </a:lvl1pPr>
             <a:lvl2pPr>
-              <a:defRPr sz="2800"/>
+              <a:defRPr sz="2100"/>
             </a:lvl2pPr>
             <a:lvl3pPr>
-              <a:defRPr sz="2400"/>
+              <a:defRPr sz="1800"/>
             </a:lvl3pPr>
             <a:lvl4pPr>
-              <a:defRPr sz="2000"/>
+              <a:defRPr sz="1500"/>
             </a:lvl4pPr>
             <a:lvl5pPr>
-              <a:defRPr sz="2000"/>
+              <a:defRPr sz="1500"/>
             </a:lvl5pPr>
             <a:lvl6pPr>
-              <a:defRPr sz="2000"/>
+              <a:defRPr sz="1500"/>
             </a:lvl6pPr>
             <a:lvl7pPr>
-              <a:defRPr sz="2000"/>
+              <a:defRPr sz="1500"/>
             </a:lvl7pPr>
             <a:lvl8pPr>
-              <a:defRPr sz="2000"/>
+              <a:defRPr sz="1500"/>
             </a:lvl8pPr>
             <a:lvl9pPr>
-              <a:defRPr sz="2000"/>
+              <a:defRPr sz="1500"/>
             </a:lvl9pPr>
           </a:lstStyle>
           <a:p>
             <a:pPr lvl="0"/>
             <a:r>
-              <a:rPr lang="en-US" smtClean="0"/>
+              <a:rPr lang="en-US"/>
               <a:t>Click to edit Master text styles</a:t>
             </a:r>
           </a:p>
           <a:p>
             <a:pPr lvl="1"/>
             <a:r>
-              <a:rPr lang="en-US" smtClean="0"/>
+              <a:rPr lang="en-US"/>
               <a:t>Second level</a:t>
             </a:r>
           </a:p>
           <a:p>
             <a:pPr lvl="2"/>
             <a:r>
-              <a:rPr lang="en-US" smtClean="0"/>
+              <a:rPr lang="en-US"/>
               <a:t>Third level</a:t>
             </a:r>
           </a:p>
           <a:p>
             <a:pPr lvl="3"/>
             <a:r>
-              <a:rPr lang="en-US" smtClean="0"/>
+              <a:rPr lang="en-US"/>
               <a:t>Fourth level</a:t>
             </a:r>
           </a:p>
           <a:p>
             <a:pPr lvl="4"/>
             <a:r>
-              <a:rPr lang="en-US" smtClean="0"/>
+              <a:rPr lang="en-US"/>
               <a:t>Fifth level</a:t>
             </a:r>
-            <a:endParaRPr lang="en-US"/>
           </a:p>
         </p:txBody>
       </p:sp>
@@ -2216,8 +2193,8 @@
         </p:nvSpPr>
         <p:spPr>
           <a:xfrm>
-            <a:off x="457200" y="1435100"/>
-            <a:ext cx="3008313" cy="4691063"/>
+            <a:off x="457201" y="1076326"/>
+            <a:ext cx="3008313" cy="3518297"/>
           </a:xfrm>
         </p:spPr>
         <p:txBody>
@@ -2225,45 +2202,45 @@
           <a:lstStyle>
             <a:lvl1pPr marL="0" indent="0">
               <a:buNone/>
-              <a:defRPr sz="1400"/>
+              <a:defRPr sz="1050"/>
             </a:lvl1pPr>
-            <a:lvl2pPr marL="457200" indent="0">
-              <a:buNone/>
-              <a:defRPr sz="1200"/>
+            <a:lvl2pPr marL="342900" indent="0">
+              <a:buNone/>
+              <a:defRPr sz="900"/>
             </a:lvl2pPr>
-            <a:lvl3pPr marL="914400" indent="0">
-              <a:buNone/>
-              <a:defRPr sz="1000"/>
+            <a:lvl3pPr marL="685800" indent="0">
+              <a:buNone/>
+              <a:defRPr sz="750"/>
             </a:lvl3pPr>
-            <a:lvl4pPr marL="1371600" indent="0">
-              <a:buNone/>
-              <a:defRPr sz="900"/>
+            <a:lvl4pPr marL="1028700" indent="0">
+              <a:buNone/>
+              <a:defRPr sz="675"/>
             </a:lvl4pPr>
-            <a:lvl5pPr marL="1828800" indent="0">
-              <a:buNone/>
-              <a:defRPr sz="900"/>
+            <a:lvl5pPr marL="1371600" indent="0">
+              <a:buNone/>
+              <a:defRPr sz="675"/>
             </a:lvl5pPr>
-            <a:lvl6pPr marL="2286000" indent="0">
-              <a:buNone/>
-              <a:defRPr sz="900"/>
+            <a:lvl6pPr marL="1714500" indent="0">
+              <a:buNone/>
+              <a:defRPr sz="675"/>
             </a:lvl6pPr>
-            <a:lvl7pPr marL="2743200" indent="0">
-              <a:buNone/>
-              <a:defRPr sz="900"/>
+            <a:lvl7pPr marL="2057400" indent="0">
+              <a:buNone/>
+              <a:defRPr sz="675"/>
             </a:lvl7pPr>
-            <a:lvl8pPr marL="3200400" indent="0">
-              <a:buNone/>
-              <a:defRPr sz="900"/>
+            <a:lvl8pPr marL="2400300" indent="0">
+              <a:buNone/>
+              <a:defRPr sz="675"/>
             </a:lvl8pPr>
-            <a:lvl9pPr marL="3657600" indent="0">
-              <a:buNone/>
-              <a:defRPr sz="900"/>
+            <a:lvl9pPr marL="2743200" indent="0">
+              <a:buNone/>
+              <a:defRPr sz="675"/>
             </a:lvl9pPr>
           </a:lstStyle>
           <a:p>
             <a:pPr lvl="0"/>
             <a:r>
-              <a:rPr lang="en-US" smtClean="0"/>
+              <a:rPr lang="en-US"/>
               <a:t>Click to edit Master text styles</a:t>
             </a:r>
           </a:p>
@@ -2286,7 +2263,7 @@
           <a:p>
             <a:fld id="{241EB5C9-1307-BA42-ABA2-0BC069CD8E7F}" type="datetimeFigureOut">
               <a:rPr lang="en-US" smtClean="0"/>
-              <a:t>4/5/2019</a:t>
+              <a:t>1/2/22</a:t>
             </a:fld>
             <a:endParaRPr lang="en-US"/>
           </a:p>
@@ -2376,23 +2353,22 @@
         </p:nvSpPr>
         <p:spPr>
           <a:xfrm>
-            <a:off x="1792288" y="4800600"/>
-            <a:ext cx="5486400" cy="566738"/>
+            <a:off x="1792288" y="3600450"/>
+            <a:ext cx="5486400" cy="425054"/>
           </a:xfrm>
         </p:spPr>
         <p:txBody>
           <a:bodyPr anchor="b"/>
           <a:lstStyle>
             <a:lvl1pPr algn="l">
-              <a:defRPr sz="2000" b="1"/>
+              <a:defRPr sz="1500" b="1"/>
             </a:lvl1pPr>
           </a:lstStyle>
           <a:p>
             <a:r>
-              <a:rPr lang="en-US" smtClean="0"/>
+              <a:rPr lang="en-US"/>
               <a:t>Click to edit Master title style</a:t>
             </a:r>
-            <a:endParaRPr lang="en-US"/>
           </a:p>
         </p:txBody>
       </p:sp>
@@ -2408,8 +2384,8 @@
         </p:nvSpPr>
         <p:spPr>
           <a:xfrm>
-            <a:off x="1792288" y="612775"/>
-            <a:ext cx="5486400" cy="4114800"/>
+            <a:off x="1792288" y="459581"/>
+            <a:ext cx="5486400" cy="3086100"/>
           </a:xfrm>
         </p:spPr>
         <p:txBody>
@@ -2417,39 +2393,39 @@
           <a:lstStyle>
             <a:lvl1pPr marL="0" indent="0">
               <a:buNone/>
-              <a:defRPr sz="3200"/>
+              <a:defRPr sz="2400"/>
             </a:lvl1pPr>
-            <a:lvl2pPr marL="457200" indent="0">
-              <a:buNone/>
-              <a:defRPr sz="2800"/>
+            <a:lvl2pPr marL="342900" indent="0">
+              <a:buNone/>
+              <a:defRPr sz="2100"/>
             </a:lvl2pPr>
-            <a:lvl3pPr marL="914400" indent="0">
-              <a:buNone/>
-              <a:defRPr sz="2400"/>
+            <a:lvl3pPr marL="685800" indent="0">
+              <a:buNone/>
+              <a:defRPr sz="1800"/>
             </a:lvl3pPr>
-            <a:lvl4pPr marL="1371600" indent="0">
-              <a:buNone/>
-              <a:defRPr sz="2000"/>
+            <a:lvl4pPr marL="1028700" indent="0">
+              <a:buNone/>
+              <a:defRPr sz="1500"/>
             </a:lvl4pPr>
-            <a:lvl5pPr marL="1828800" indent="0">
-              <a:buNone/>
-              <a:defRPr sz="2000"/>
+            <a:lvl5pPr marL="1371600" indent="0">
+              <a:buNone/>
+              <a:defRPr sz="1500"/>
             </a:lvl5pPr>
-            <a:lvl6pPr marL="2286000" indent="0">
-              <a:buNone/>
-              <a:defRPr sz="2000"/>
+            <a:lvl6pPr marL="1714500" indent="0">
+              <a:buNone/>
+              <a:defRPr sz="1500"/>
             </a:lvl6pPr>
-            <a:lvl7pPr marL="2743200" indent="0">
-              <a:buNone/>
-              <a:defRPr sz="2000"/>
+            <a:lvl7pPr marL="2057400" indent="0">
+              <a:buNone/>
+              <a:defRPr sz="1500"/>
             </a:lvl7pPr>
-            <a:lvl8pPr marL="3200400" indent="0">
-              <a:buNone/>
-              <a:defRPr sz="2000"/>
+            <a:lvl8pPr marL="2400300" indent="0">
+              <a:buNone/>
+              <a:defRPr sz="1500"/>
             </a:lvl8pPr>
-            <a:lvl9pPr marL="3657600" indent="0">
-              <a:buNone/>
-              <a:defRPr sz="2000"/>
+            <a:lvl9pPr marL="2743200" indent="0">
+              <a:buNone/>
+              <a:defRPr sz="1500"/>
             </a:lvl9pPr>
           </a:lstStyle>
           <a:p>
@@ -2469,8 +2445,8 @@
         </p:nvSpPr>
         <p:spPr>
           <a:xfrm>
-            <a:off x="1792288" y="5367338"/>
-            <a:ext cx="5486400" cy="804862"/>
+            <a:off x="1792288" y="4025503"/>
+            <a:ext cx="5486400" cy="603647"/>
           </a:xfrm>
         </p:spPr>
         <p:txBody>
@@ -2478,45 +2454,45 @@
           <a:lstStyle>
             <a:lvl1pPr marL="0" indent="0">
               <a:buNone/>
-              <a:defRPr sz="1400"/>
+              <a:defRPr sz="1050"/>
             </a:lvl1pPr>
-            <a:lvl2pPr marL="457200" indent="0">
-              <a:buNone/>
-              <a:defRPr sz="1200"/>
+            <a:lvl2pPr marL="342900" indent="0">
+              <a:buNone/>
+              <a:defRPr sz="900"/>
             </a:lvl2pPr>
-            <a:lvl3pPr marL="914400" indent="0">
-              <a:buNone/>
-              <a:defRPr sz="1000"/>
+            <a:lvl3pPr marL="685800" indent="0">
+              <a:buNone/>
+              <a:defRPr sz="750"/>
             </a:lvl3pPr>
-            <a:lvl4pPr marL="1371600" indent="0">
-              <a:buNone/>
-              <a:defRPr sz="900"/>
+            <a:lvl4pPr marL="1028700" indent="0">
+              <a:buNone/>
+              <a:defRPr sz="675"/>
             </a:lvl4pPr>
-            <a:lvl5pPr marL="1828800" indent="0">
-              <a:buNone/>
-              <a:defRPr sz="900"/>
+            <a:lvl5pPr marL="1371600" indent="0">
+              <a:buNone/>
+              <a:defRPr sz="675"/>
             </a:lvl5pPr>
-            <a:lvl6pPr marL="2286000" indent="0">
-              <a:buNone/>
-              <a:defRPr sz="900"/>
+            <a:lvl6pPr marL="1714500" indent="0">
+              <a:buNone/>
+              <a:defRPr sz="675"/>
             </a:lvl6pPr>
-            <a:lvl7pPr marL="2743200" indent="0">
-              <a:buNone/>
-              <a:defRPr sz="900"/>
+            <a:lvl7pPr marL="2057400" indent="0">
+              <a:buNone/>
+              <a:defRPr sz="675"/>
             </a:lvl7pPr>
-            <a:lvl8pPr marL="3200400" indent="0">
-              <a:buNone/>
-              <a:defRPr sz="900"/>
+            <a:lvl8pPr marL="2400300" indent="0">
+              <a:buNone/>
+              <a:defRPr sz="675"/>
             </a:lvl8pPr>
-            <a:lvl9pPr marL="3657600" indent="0">
-              <a:buNone/>
-              <a:defRPr sz="900"/>
+            <a:lvl9pPr marL="2743200" indent="0">
+              <a:buNone/>
+              <a:defRPr sz="675"/>
             </a:lvl9pPr>
           </a:lstStyle>
           <a:p>
             <a:pPr lvl="0"/>
             <a:r>
-              <a:rPr lang="en-US" smtClean="0"/>
+              <a:rPr lang="en-US"/>
               <a:t>Click to edit Master text styles</a:t>
             </a:r>
           </a:p>
@@ -2539,7 +2515,7 @@
           <a:p>
             <a:fld id="{241EB5C9-1307-BA42-ABA2-0BC069CD8E7F}" type="datetimeFigureOut">
               <a:rPr lang="en-US" smtClean="0"/>
-              <a:t>4/5/2019</a:t>
+              <a:t>1/2/22</a:t>
             </a:fld>
             <a:endParaRPr lang="en-US"/>
           </a:p>
@@ -2634,8 +2610,8 @@
         </p:nvSpPr>
         <p:spPr>
           <a:xfrm>
-            <a:off x="457200" y="274638"/>
-            <a:ext cx="8229600" cy="1143000"/>
+            <a:off x="457200" y="205979"/>
+            <a:ext cx="8229600" cy="857250"/>
           </a:xfrm>
           <a:prstGeom prst="rect">
             <a:avLst/>
@@ -2648,10 +2624,9 @@
           <a:lstStyle/>
           <a:p>
             <a:r>
-              <a:rPr lang="en-US" smtClean="0"/>
+              <a:rPr lang="en-US"/>
               <a:t>Click to edit Master title style</a:t>
             </a:r>
-            <a:endParaRPr lang="en-US"/>
           </a:p>
         </p:txBody>
       </p:sp>
@@ -2667,8 +2642,8 @@
         </p:nvSpPr>
         <p:spPr>
           <a:xfrm>
-            <a:off x="457200" y="1600200"/>
-            <a:ext cx="8229600" cy="4525963"/>
+            <a:off x="457200" y="1200151"/>
+            <a:ext cx="8229600" cy="3394472"/>
           </a:xfrm>
           <a:prstGeom prst="rect">
             <a:avLst/>
@@ -2682,38 +2657,37 @@
           <a:p>
             <a:pPr lvl="0"/>
             <a:r>
-              <a:rPr lang="en-US" smtClean="0"/>
+              <a:rPr lang="en-US"/>
               <a:t>Click to edit Master text styles</a:t>
             </a:r>
           </a:p>
           <a:p>
             <a:pPr lvl="1"/>
             <a:r>
-              <a:rPr lang="en-US" smtClean="0"/>
+              <a:rPr lang="en-US"/>
               <a:t>Second level</a:t>
             </a:r>
           </a:p>
           <a:p>
             <a:pPr lvl="2"/>
             <a:r>
-              <a:rPr lang="en-US" smtClean="0"/>
+              <a:rPr lang="en-US"/>
               <a:t>Third level</a:t>
             </a:r>
           </a:p>
           <a:p>
             <a:pPr lvl="3"/>
             <a:r>
-              <a:rPr lang="en-US" smtClean="0"/>
+              <a:rPr lang="en-US"/>
               <a:t>Fourth level</a:t>
             </a:r>
           </a:p>
           <a:p>
             <a:pPr lvl="4"/>
             <a:r>
-              <a:rPr lang="en-US" smtClean="0"/>
+              <a:rPr lang="en-US"/>
               <a:t>Fifth level</a:t>
             </a:r>
-            <a:endParaRPr lang="en-US"/>
           </a:p>
         </p:txBody>
       </p:sp>
@@ -2729,8 +2703,8 @@
         </p:nvSpPr>
         <p:spPr>
           <a:xfrm>
-            <a:off x="457200" y="6356350"/>
-            <a:ext cx="2133600" cy="365125"/>
+            <a:off x="457200" y="4767263"/>
+            <a:ext cx="2133600" cy="273844"/>
           </a:xfrm>
           <a:prstGeom prst="rect">
             <a:avLst/>
@@ -2740,7 +2714,7 @@
           <a:bodyPr anchor="ctr" bIns="45720" lIns="91440" rIns="91440" rtlCol="0" tIns="45720" vert="horz"/>
           <a:lstStyle>
             <a:lvl1pPr algn="l">
-              <a:defRPr sz="1200">
+              <a:defRPr sz="900">
                 <a:solidFill>
                   <a:schemeClr val="tx1">
                     <a:tint val="75000"/>
@@ -2752,7 +2726,7 @@
           <a:p>
             <a:fld id="{241EB5C9-1307-BA42-ABA2-0BC069CD8E7F}" type="datetimeFigureOut">
               <a:rPr lang="en-US" smtClean="0"/>
-              <a:t>4/5/2019</a:t>
+              <a:t>1/2/22</a:t>
             </a:fld>
             <a:endParaRPr lang="en-US"/>
           </a:p>
@@ -2770,8 +2744,8 @@
         </p:nvSpPr>
         <p:spPr>
           <a:xfrm>
-            <a:off x="3124200" y="6356350"/>
-            <a:ext cx="2895600" cy="365125"/>
+            <a:off x="3124200" y="4767263"/>
+            <a:ext cx="2895600" cy="273844"/>
           </a:xfrm>
           <a:prstGeom prst="rect">
             <a:avLst/>
@@ -2781,7 +2755,7 @@
           <a:bodyPr anchor="ctr" bIns="45720" lIns="91440" rIns="91440" rtlCol="0" tIns="45720" vert="horz"/>
           <a:lstStyle>
             <a:lvl1pPr algn="ctr">
-              <a:defRPr sz="1200">
+              <a:defRPr sz="900">
                 <a:solidFill>
                   <a:schemeClr val="tx1">
                     <a:tint val="75000"/>
@@ -2807,8 +2781,8 @@
         </p:nvSpPr>
         <p:spPr>
           <a:xfrm>
-            <a:off x="6553200" y="6356350"/>
-            <a:ext cx="2133600" cy="365125"/>
+            <a:off x="6553200" y="4767263"/>
+            <a:ext cx="2133600" cy="273844"/>
           </a:xfrm>
           <a:prstGeom prst="rect">
             <a:avLst/>
@@ -2818,7 +2792,7 @@
           <a:bodyPr anchor="ctr" bIns="45720" lIns="91440" rIns="91440" rtlCol="0" tIns="45720" vert="horz"/>
           <a:lstStyle>
             <a:lvl1pPr algn="r">
-              <a:defRPr sz="1200">
+              <a:defRPr sz="900">
                 <a:solidFill>
                   <a:schemeClr val="tx1">
                     <a:tint val="75000"/>
@@ -2859,12 +2833,12 @@
   </p:sldLayoutIdLst>
   <p:txStyles>
     <p:titleStyle>
-      <a:lvl1pPr algn="ctr" defTabSz="457200" eaLnBrk="1" hangingPunct="1" latinLnBrk="0" rtl="0">
+      <a:lvl1pPr algn="ctr" defTabSz="342900" eaLnBrk="1" hangingPunct="1" latinLnBrk="0" rtl="0">
         <a:spcBef>
           <a:spcPct val="0"/>
         </a:spcBef>
         <a:buNone/>
-        <a:defRPr kern="1200" sz="4400">
+        <a:defRPr kern="1200" sz="3300">
           <a:solidFill>
             <a:schemeClr val="tx1"/>
           </a:solidFill>
@@ -2875,37 +2849,7 @@
       </a:lvl1pPr>
     </p:titleStyle>
     <p:bodyStyle>
-      <a:lvl1pPr algn="l" defTabSz="457200" eaLnBrk="1" hangingPunct="1" indent="-457200" latinLnBrk="0" marL="457200" rtl="0">
-        <a:spcBef>
-          <a:spcPct val="20000"/>
-        </a:spcBef>
-        <a:buFont typeface="Arial"/>
-        <a:buChar char="•"/>
-        <a:defRPr kern="1200" sz="3200">
-          <a:solidFill>
-            <a:schemeClr val="tx1"/>
-          </a:solidFill>
-          <a:latin typeface="+mn-lt"/>
-          <a:ea typeface="+mn-ea"/>
-          <a:cs typeface="+mn-cs"/>
-        </a:defRPr>
-      </a:lvl1pPr>
-      <a:lvl2pPr algn="l" defTabSz="457200" eaLnBrk="1" hangingPunct="1" indent="-457200" latinLnBrk="0" marL="914400" rtl="0">
-        <a:spcBef>
-          <a:spcPct val="20000"/>
-        </a:spcBef>
-        <a:buFont typeface="Arial"/>
-        <a:buChar char="–"/>
-        <a:defRPr kern="1200" sz="2800">
-          <a:solidFill>
-            <a:schemeClr val="tx1"/>
-          </a:solidFill>
-          <a:latin typeface="+mn-lt"/>
-          <a:ea typeface="+mn-ea"/>
-          <a:cs typeface="+mn-cs"/>
-        </a:defRPr>
-      </a:lvl2pPr>
-      <a:lvl3pPr algn="l" defTabSz="457200" eaLnBrk="1" hangingPunct="1" indent="-457200" latinLnBrk="0" marL="1371600" rtl="0">
+      <a:lvl1pPr algn="l" defTabSz="342900" eaLnBrk="1" hangingPunct="1" indent="-342900" latinLnBrk="0" marL="342900" rtl="0">
         <a:spcBef>
           <a:spcPct val="20000"/>
         </a:spcBef>
@@ -2919,14 +2863,44 @@
           <a:ea typeface="+mn-ea"/>
           <a:cs typeface="+mn-cs"/>
         </a:defRPr>
-      </a:lvl3pPr>
-      <a:lvl4pPr algn="l" defTabSz="457200" eaLnBrk="1" hangingPunct="1" indent="-457200" latinLnBrk="0" marL="1828800" rtl="0">
+      </a:lvl1pPr>
+      <a:lvl2pPr algn="l" defTabSz="342900" eaLnBrk="1" hangingPunct="1" indent="-342900" latinLnBrk="0" marL="685800" rtl="0">
         <a:spcBef>
           <a:spcPct val="20000"/>
         </a:spcBef>
         <a:buFont typeface="Arial"/>
         <a:buChar char="–"/>
-        <a:defRPr kern="1200" sz="2000">
+        <a:defRPr kern="1200" sz="2100">
+          <a:solidFill>
+            <a:schemeClr val="tx1"/>
+          </a:solidFill>
+          <a:latin typeface="+mn-lt"/>
+          <a:ea typeface="+mn-ea"/>
+          <a:cs typeface="+mn-cs"/>
+        </a:defRPr>
+      </a:lvl2pPr>
+      <a:lvl3pPr algn="l" defTabSz="342900" eaLnBrk="1" hangingPunct="1" indent="-342900" latinLnBrk="0" marL="1028700" rtl="0">
+        <a:spcBef>
+          <a:spcPct val="20000"/>
+        </a:spcBef>
+        <a:buFont typeface="Arial"/>
+        <a:buChar char="•"/>
+        <a:defRPr kern="1200" sz="1800">
+          <a:solidFill>
+            <a:schemeClr val="tx1"/>
+          </a:solidFill>
+          <a:latin typeface="+mn-lt"/>
+          <a:ea typeface="+mn-ea"/>
+          <a:cs typeface="+mn-cs"/>
+        </a:defRPr>
+      </a:lvl3pPr>
+      <a:lvl4pPr algn="l" defTabSz="342900" eaLnBrk="1" hangingPunct="1" indent="-342900" latinLnBrk="0" marL="1371600" rtl="0">
+        <a:spcBef>
+          <a:spcPct val="20000"/>
+        </a:spcBef>
+        <a:buFont typeface="Arial"/>
+        <a:buChar char="–"/>
+        <a:defRPr kern="1200" sz="1500">
           <a:solidFill>
             <a:schemeClr val="tx1"/>
           </a:solidFill>
@@ -2935,13 +2909,13 @@
           <a:cs typeface="+mn-cs"/>
         </a:defRPr>
       </a:lvl4pPr>
-      <a:lvl5pPr algn="l" defTabSz="457200" eaLnBrk="1" hangingPunct="1" indent="-457200" latinLnBrk="0" marL="2286000" rtl="0">
+      <a:lvl5pPr algn="l" defTabSz="342900" eaLnBrk="1" hangingPunct="1" indent="-342900" latinLnBrk="0" marL="1714500" rtl="0">
         <a:spcBef>
           <a:spcPct val="20000"/>
         </a:spcBef>
         <a:buFont typeface="Arial"/>
         <a:buChar char="»"/>
-        <a:defRPr kern="1200" sz="2000">
+        <a:defRPr kern="1200" sz="1500">
           <a:solidFill>
             <a:schemeClr val="tx1"/>
           </a:solidFill>
@@ -2950,13 +2924,13 @@
           <a:cs typeface="+mn-cs"/>
         </a:defRPr>
       </a:lvl5pPr>
-      <a:lvl6pPr algn="l" defTabSz="457200" eaLnBrk="1" hangingPunct="1" indent="-457200" latinLnBrk="0" marL="2743200" rtl="0">
+      <a:lvl6pPr algn="l" defTabSz="342900" eaLnBrk="1" hangingPunct="1" indent="-342900" latinLnBrk="0" marL="2057400" rtl="0">
         <a:spcBef>
           <a:spcPct val="20000"/>
         </a:spcBef>
         <a:buFont typeface="Arial"/>
         <a:buChar char="•"/>
-        <a:defRPr kern="1200" sz="2000">
+        <a:defRPr kern="1200" sz="1500">
           <a:solidFill>
             <a:schemeClr val="tx1"/>
           </a:solidFill>
@@ -2965,13 +2939,13 @@
           <a:cs typeface="+mn-cs"/>
         </a:defRPr>
       </a:lvl6pPr>
-      <a:lvl7pPr algn="l" defTabSz="457200" eaLnBrk="1" hangingPunct="1" indent="-457200" latinLnBrk="0" marL="3200400" rtl="0">
+      <a:lvl7pPr algn="l" defTabSz="342900" eaLnBrk="1" hangingPunct="1" indent="-342900" latinLnBrk="0" marL="2400300" rtl="0">
         <a:spcBef>
           <a:spcPct val="20000"/>
         </a:spcBef>
         <a:buFont typeface="Arial"/>
         <a:buChar char="•"/>
-        <a:defRPr kern="1200" sz="2000">
+        <a:defRPr kern="1200" sz="1500">
           <a:solidFill>
             <a:schemeClr val="tx1"/>
           </a:solidFill>
@@ -2980,13 +2954,13 @@
           <a:cs typeface="+mn-cs"/>
         </a:defRPr>
       </a:lvl7pPr>
-      <a:lvl8pPr algn="l" defTabSz="457200" eaLnBrk="1" hangingPunct="1" indent="-457200" latinLnBrk="0" marL="3657600" rtl="0">
+      <a:lvl8pPr algn="l" defTabSz="342900" eaLnBrk="1" hangingPunct="1" indent="-342900" latinLnBrk="0" marL="2743200" rtl="0">
         <a:spcBef>
           <a:spcPct val="20000"/>
         </a:spcBef>
         <a:buFont typeface="Arial"/>
         <a:buChar char="•"/>
-        <a:defRPr kern="1200" sz="2000">
+        <a:defRPr kern="1200" sz="1500">
           <a:solidFill>
             <a:schemeClr val="tx1"/>
           </a:solidFill>
@@ -2995,13 +2969,13 @@
           <a:cs typeface="+mn-cs"/>
         </a:defRPr>
       </a:lvl8pPr>
-      <a:lvl9pPr algn="l" defTabSz="457200" eaLnBrk="1" hangingPunct="1" indent="-457200" latinLnBrk="0" marL="4114800" rtl="0">
+      <a:lvl9pPr algn="l" defTabSz="342900" eaLnBrk="1" hangingPunct="1" indent="-342900" latinLnBrk="0" marL="3086100" rtl="0">
         <a:spcBef>
           <a:spcPct val="20000"/>
         </a:spcBef>
         <a:buFont typeface="Arial"/>
         <a:buChar char="•"/>
-        <a:defRPr kern="1200" sz="2000">
+        <a:defRPr kern="1200" sz="1500">
           <a:solidFill>
             <a:schemeClr val="tx1"/>
           </a:solidFill>
@@ -3015,8 +2989,8 @@
       <a:defPPr>
         <a:defRPr lang="en-US"/>
       </a:defPPr>
-      <a:lvl1pPr algn="l" defTabSz="457200" eaLnBrk="1" hangingPunct="1" latinLnBrk="0" marL="0" rtl="0">
-        <a:defRPr kern="1200" sz="1800">
+      <a:lvl1pPr algn="l" defTabSz="342900" eaLnBrk="1" hangingPunct="1" latinLnBrk="0" marL="0" rtl="0">
+        <a:defRPr kern="1200" sz="1350">
           <a:solidFill>
             <a:schemeClr val="tx1"/>
           </a:solidFill>
@@ -3025,8 +2999,8 @@
           <a:cs typeface="+mn-cs"/>
         </a:defRPr>
       </a:lvl1pPr>
-      <a:lvl2pPr algn="l" defTabSz="457200" eaLnBrk="1" hangingPunct="1" latinLnBrk="0" marL="457200" rtl="0">
-        <a:defRPr kern="1200" sz="1800">
+      <a:lvl2pPr algn="l" defTabSz="342900" eaLnBrk="1" hangingPunct="1" latinLnBrk="0" marL="342900" rtl="0">
+        <a:defRPr kern="1200" sz="1350">
           <a:solidFill>
             <a:schemeClr val="tx1"/>
           </a:solidFill>
@@ -3035,8 +3009,8 @@
           <a:cs typeface="+mn-cs"/>
         </a:defRPr>
       </a:lvl2pPr>
-      <a:lvl3pPr algn="l" defTabSz="457200" eaLnBrk="1" hangingPunct="1" latinLnBrk="0" marL="914400" rtl="0">
-        <a:defRPr kern="1200" sz="1800">
+      <a:lvl3pPr algn="l" defTabSz="342900" eaLnBrk="1" hangingPunct="1" latinLnBrk="0" marL="685800" rtl="0">
+        <a:defRPr kern="1200" sz="1350">
           <a:solidFill>
             <a:schemeClr val="tx1"/>
           </a:solidFill>
@@ -3045,8 +3019,8 @@
           <a:cs typeface="+mn-cs"/>
         </a:defRPr>
       </a:lvl3pPr>
-      <a:lvl4pPr algn="l" defTabSz="457200" eaLnBrk="1" hangingPunct="1" latinLnBrk="0" marL="1371600" rtl="0">
-        <a:defRPr kern="1200" sz="1800">
+      <a:lvl4pPr algn="l" defTabSz="342900" eaLnBrk="1" hangingPunct="1" latinLnBrk="0" marL="1028700" rtl="0">
+        <a:defRPr kern="1200" sz="1350">
           <a:solidFill>
             <a:schemeClr val="tx1"/>
           </a:solidFill>
@@ -3055,8 +3029,8 @@
           <a:cs typeface="+mn-cs"/>
         </a:defRPr>
       </a:lvl4pPr>
-      <a:lvl5pPr algn="l" defTabSz="457200" eaLnBrk="1" hangingPunct="1" latinLnBrk="0" marL="1828800" rtl="0">
-        <a:defRPr kern="1200" sz="1800">
+      <a:lvl5pPr algn="l" defTabSz="342900" eaLnBrk="1" hangingPunct="1" latinLnBrk="0" marL="1371600" rtl="0">
+        <a:defRPr kern="1200" sz="1350">
           <a:solidFill>
             <a:schemeClr val="tx1"/>
           </a:solidFill>
@@ -3065,8 +3039,8 @@
           <a:cs typeface="+mn-cs"/>
         </a:defRPr>
       </a:lvl5pPr>
-      <a:lvl6pPr algn="l" defTabSz="457200" eaLnBrk="1" hangingPunct="1" latinLnBrk="0" marL="2286000" rtl="0">
-        <a:defRPr kern="1200" sz="1800">
+      <a:lvl6pPr algn="l" defTabSz="342900" eaLnBrk="1" hangingPunct="1" latinLnBrk="0" marL="1714500" rtl="0">
+        <a:defRPr kern="1200" sz="1350">
           <a:solidFill>
             <a:schemeClr val="tx1"/>
           </a:solidFill>
@@ -3075,8 +3049,8 @@
           <a:cs typeface="+mn-cs"/>
         </a:defRPr>
       </a:lvl6pPr>
-      <a:lvl7pPr algn="l" defTabSz="457200" eaLnBrk="1" hangingPunct="1" latinLnBrk="0" marL="2743200" rtl="0">
-        <a:defRPr kern="1200" sz="1800">
+      <a:lvl7pPr algn="l" defTabSz="342900" eaLnBrk="1" hangingPunct="1" latinLnBrk="0" marL="2057400" rtl="0">
+        <a:defRPr kern="1200" sz="1350">
           <a:solidFill>
             <a:schemeClr val="tx1"/>
           </a:solidFill>
@@ -3085,8 +3059,8 @@
           <a:cs typeface="+mn-cs"/>
         </a:defRPr>
       </a:lvl7pPr>
-      <a:lvl8pPr algn="l" defTabSz="457200" eaLnBrk="1" hangingPunct="1" latinLnBrk="0" marL="3200400" rtl="0">
-        <a:defRPr kern="1200" sz="1800">
+      <a:lvl8pPr algn="l" defTabSz="342900" eaLnBrk="1" hangingPunct="1" latinLnBrk="0" marL="2400300" rtl="0">
+        <a:defRPr kern="1200" sz="1350">
           <a:solidFill>
             <a:schemeClr val="tx1"/>
           </a:solidFill>
@@ -3095,8 +3069,8 @@
           <a:cs typeface="+mn-cs"/>
         </a:defRPr>
       </a:lvl8pPr>
-      <a:lvl9pPr algn="l" defTabSz="457200" eaLnBrk="1" hangingPunct="1" latinLnBrk="0" marL="3657600" rtl="0">
-        <a:defRPr kern="1200" sz="1800">
+      <a:lvl9pPr algn="l" defTabSz="342900" eaLnBrk="1" hangingPunct="1" latinLnBrk="0" marL="2743200" rtl="0">
+        <a:defRPr kern="1200" sz="1350">
           <a:solidFill>
             <a:schemeClr val="tx1"/>
           </a:solidFill>
@@ -3139,8 +3113,8 @@
         </p:nvSpPr>
         <p:spPr>
           <a:xfrm>
-            <a:off x="685800" y="2130425"/>
-            <a:ext cx="7772400" cy="1470025"/>
+            <a:off x="685800" y="1597819"/>
+            <a:ext cx="7772400" cy="1102519"/>
           </a:xfrm>
         </p:spPr>
         <p:txBody>
@@ -3169,8 +3143,8 @@
         </p:nvSpPr>
         <p:spPr>
           <a:xfrm>
-            <a:off x="1371600" y="3886200"/>
-            <a:ext cx="6400800" cy="1752600"/>
+            <a:off x="1371600" y="2914650"/>
+            <a:ext cx="6400800" cy="1314450"/>
           </a:xfrm>
         </p:spPr>
         <p:txBody>
@@ -3259,8 +3233,12 @@
               <a:buNone/>
             </a:pPr>
             <a:r>
+              <a:rPr b="1"/>
+              <a:t>YAPILACAKLAR</a:t>
+            </a:r>
+            <a:r>
               <a:rPr/>
-              <a:t> bg left:50% h:800px</a:t>
+              <a:t> KURS NOTLARINIZ İÇİN İÇERİĞİ GÜNCELLEME</a:t>
             </a:r>
           </a:p>
         </p:txBody>
@@ -3289,12 +3267,12 @@
       </p:grpSpPr>
       <p:sp>
         <p:nvSpPr>
-          <p:cNvPr id="4" name="Text Placeholder 3"/>
-          <p:cNvSpPr>
-            <a:spLocks noGrp="1"/>
-          </p:cNvSpPr>
-          <p:nvPr>
-            <p:ph idx="2" sz="half" type="body"/>
+          <p:cNvPr id="2" name="Title 1"/>
+          <p:cNvSpPr>
+            <a:spLocks noGrp="1"/>
+          </p:cNvSpPr>
+          <p:nvPr>
+            <p:ph type="title"/>
           </p:nvPr>
         </p:nvSpPr>
         <p:spPr/>
@@ -3303,85 +3281,62 @@
           <a:lstStyle/>
           <a:p>
             <a:pPr lvl="0" indent="0" marL="0">
-              <a:spcBef>
-                <a:spcPts val="3000"/>
-              </a:spcBef>
               <a:buNone/>
             </a:pPr>
             <a:r>
-              <a:rPr b="1"/>
-              <a:t>Örnek Resimler-6</a:t>
-            </a:r>
-          </a:p>
-          <a:p>
-            <a:pPr lvl="0"/>
-            <a:r>
-              <a:rPr b="1"/>
-              <a:t>Lorem Ipsum nedir?</a:t>
-            </a:r>
-            <a:r>
               <a:rPr/>
-              <a:t> Lorem Ipsum, basım ve dizgi endüstrisinin basit bir sahte metnidir. Lorem Ipsum, 1500’lerden beri endüstrinin standart sahte metni olmuştur.</a:t>
-            </a:r>
-          </a:p>
-        </p:txBody>
-      </p:sp>
-      <p:pic>
-        <p:nvPicPr>
-          <p:cNvPr descr="assets/sample-1.png" id="0" name="Picture 1"/>
-          <p:cNvPicPr>
-            <a:picLocks noGrp="1" noChangeAspect="1"/>
-          </p:cNvPicPr>
-          <p:nvPr/>
-        </p:nvPicPr>
-        <p:blipFill>
-          <a:blip r:embed="rId2"/>
-          <a:stretch>
-            <a:fillRect/>
-          </a:stretch>
-        </p:blipFill>
-        <p:spPr bwMode="auto">
-          <a:xfrm>
-            <a:off x="4749800" y="266700"/>
-            <a:ext cx="2743200" cy="5334000"/>
-          </a:xfrm>
-          <a:prstGeom prst="rect">
-            <a:avLst/>
-          </a:prstGeom>
-          <a:noFill/>
-          <a:ln w="9525">
-            <a:noFill/>
-            <a:headEnd/>
-            <a:tailEnd/>
-          </a:ln>
-        </p:spPr>
-      </p:pic>
-      <p:sp>
-        <p:nvSpPr>
-          <p:cNvPr id="1" name="TextBox 3"/>
-          <p:cNvSpPr txBox="1"/>
-          <p:nvPr/>
-        </p:nvSpPr>
-        <p:spPr>
-          <a:xfrm>
-            <a:off x="3568700" y="5600700"/>
-            <a:ext cx="5105400" cy="508000"/>
-          </a:xfrm>
-          <a:prstGeom prst="rect">
-            <a:avLst/>
-          </a:prstGeom>
-          <a:noFill/>
-        </p:spPr>
+              <a:t>Referanslar</a:t>
+            </a:r>
+          </a:p>
+        </p:txBody>
+      </p:sp>
+      <p:sp>
+        <p:nvSpPr>
+          <p:cNvPr id="3" name="Content Placeholder 2"/>
+          <p:cNvSpPr>
+            <a:spLocks noGrp="1"/>
+          </p:cNvSpPr>
+          <p:nvPr>
+            <p:ph idx="1"/>
+          </p:nvPr>
+        </p:nvSpPr>
+        <p:spPr/>
         <p:txBody>
           <a:bodyPr/>
           <a:lstStyle/>
           <a:p>
-            <a:pPr lvl="0" indent="0" marL="0" algn="ctr">
-              <a:buNone/>
-            </a:pPr>
+            <a:pPr lvl="0"/>
             <a:r>
               <a:rPr/>
-              <a:t>bg left:50% h:300px</a:t>
+              <a:t>https://avesis.erdogan.edu.tr/ugur.coruh</a:t>
+            </a:r>
+          </a:p>
+          <a:p>
+            <a:pPr lvl="0"/>
+            <a:r>
+              <a:rPr/>
+              <a:t>https://www.linkedin.com/in/ugurcoruh/</a:t>
+            </a:r>
+          </a:p>
+          <a:p>
+            <a:pPr lvl="0"/>
+            <a:r>
+              <a:rPr/>
+              <a:t>https://www.hindawi.com/journals/scn/2018/6563089/</a:t>
+            </a:r>
+          </a:p>
+          <a:p>
+            <a:pPr lvl="0"/>
+            <a:r>
+              <a:rPr/>
+              <a:t>https://dl.acm.org/doi/abs/10.1145/3410352.3410836</a:t>
+            </a:r>
+          </a:p>
+          <a:p>
+            <a:pPr lvl="0"/>
+            <a:r>
+              <a:rPr/>
+              <a:t>https://www.sciencedirect.com/science/article/abs/pii/S2214212621002623</a:t>
             </a:r>
           </a:p>
         </p:txBody>
@@ -3408,37 +3363,675 @@
           <a:chExt cx="0" cy="0"/>
         </a:xfrm>
       </p:grpSpPr>
-      <p:sp>
-        <p:nvSpPr>
-          <p:cNvPr id="3" name="Content Placeholder 2"/>
-          <p:cNvSpPr>
-            <a:spLocks noGrp="1"/>
-          </p:cNvSpPr>
-          <p:nvPr>
-            <p:ph idx="1"/>
-          </p:nvPr>
-        </p:nvSpPr>
-        <p:spPr/>
-        <p:txBody>
-          <a:bodyPr/>
-          <a:lstStyle/>
-          <a:p>
-            <a:pPr lvl="0" indent="0" marL="0">
-              <a:buNone/>
-            </a:pPr>
-            <a:r>
-              <a:rPr/>
-              <a:t> bg left:50% h:500px</a:t>
-            </a:r>
-          </a:p>
-        </p:txBody>
-      </p:sp>
+      <mc:AlternateContent xmlns:mc="http://schemas.openxmlformats.org/markup-compatibility/2006">
+        <mc:Choice xmlns:a14="http://schemas.microsoft.com/office/drawing/2010/main" Requires="a14">
+          <p:sp>
+            <p:nvSpPr>
+              <p:cNvPr id="3" name="Content Placeholder 2"/>
+              <p:cNvSpPr>
+                <a:spLocks noGrp="1"/>
+              </p:cNvSpPr>
+              <p:nvPr>
+                <p:ph idx="1"/>
+              </p:nvPr>
+            </p:nvSpPr>
+            <p:spPr/>
+            <p:txBody>
+              <a:bodyPr/>
+              <a:lstStyle/>
+              <a:p>
+                <a:pPr lvl="0" indent="0" marL="0">
+                  <a:buNone/>
+                </a:pPr>
+                <a14:m>
+                  <m:oMath xmlns:m="http://schemas.openxmlformats.org/officeDocument/2006/math">
+                    <m:r>
+                      <m:t>H</m:t>
+                    </m:r>
+                    <m:r>
+                      <m:t>a</m:t>
+                    </m:r>
+                    <m:r>
+                      <m:t>f</m:t>
+                    </m:r>
+                    <m:r>
+                      <m:t>t</m:t>
+                    </m:r>
+                    <m:r>
+                      <m:t>a</m:t>
+                    </m:r>
+                    <m:r>
+                      <m:rPr>
+                        <m:sty m:val="p"/>
+                      </m:rPr>
+                      <m:t>−</m:t>
+                    </m:r>
+                    <m:r>
+                      <m:t>2</m:t>
+                    </m:r>
+                    <m:r>
+                      <m:rPr>
+                        <m:sty m:val="p"/>
+                      </m:rPr>
+                      <m:t>−</m:t>
+                    </m:r>
+                    <m:r>
+                      <m:t>S</m:t>
+                    </m:r>
+                    <m:r>
+                      <m:t>o</m:t>
+                    </m:r>
+                    <m:r>
+                      <m:t>n</m:t>
+                    </m:r>
+                  </m:oMath>
+                </a14:m>
+              </a:p>
+            </p:txBody>
+          </p:sp>
+        </mc:Choice>
+      </mc:AlternateContent>
     </p:spTree>
   </p:cSld>
 </p:sld>
 </file>
 
-<file path=ppt/slides/slide13.xml><?xml version="1.0" encoding="utf-8"?>
+<file path=ppt/slides/slide2.xml><?xml version="1.0" encoding="utf-8"?>
+<p:sld xmlns:a="http://schemas.openxmlformats.org/drawingml/2006/main" xmlns:r="http://schemas.openxmlformats.org/officeDocument/2006/relationships" xmlns:p="http://schemas.openxmlformats.org/presentationml/2006/main">
+  <p:cSld>
+    <p:spTree>
+      <p:nvGrpSpPr>
+        <p:cNvPr id="1" name=""/>
+        <p:cNvGrpSpPr/>
+        <p:nvPr/>
+      </p:nvGrpSpPr>
+      <p:grpSpPr>
+        <a:xfrm>
+          <a:off x="0" y="0"/>
+          <a:ext cx="0" cy="0"/>
+          <a:chOff x="0" y="0"/>
+          <a:chExt cx="0" cy="0"/>
+        </a:xfrm>
+      </p:grpSpPr>
+      <p:sp>
+        <p:nvSpPr>
+          <p:cNvPr id="2" name="Title 1"/>
+          <p:cNvSpPr>
+            <a:spLocks noGrp="1"/>
+          </p:cNvSpPr>
+          <p:nvPr>
+            <p:ph type="title"/>
+          </p:nvPr>
+        </p:nvSpPr>
+        <p:spPr/>
+        <p:txBody>
+          <a:bodyPr/>
+          <a:lstStyle/>
+          <a:p>
+            <a:pPr lvl="0" indent="0" marL="0">
+              <a:buNone/>
+            </a:pPr>
+            <a:r>
+              <a:rPr/>
+              <a:t>Örnek Ders Adı</a:t>
+            </a:r>
+          </a:p>
+        </p:txBody>
+      </p:sp>
+      <p:sp>
+        <p:nvSpPr>
+          <p:cNvPr id="3" name="Content Placeholder 2"/>
+          <p:cNvSpPr>
+            <a:spLocks noGrp="1"/>
+          </p:cNvSpPr>
+          <p:nvPr>
+            <p:ph idx="1"/>
+          </p:nvPr>
+        </p:nvSpPr>
+        <p:spPr/>
+        <p:txBody>
+          <a:bodyPr/>
+          <a:lstStyle/>
+          <a:p>
+            <a:pPr lvl="0" indent="0" marL="0">
+              <a:spcBef>
+                <a:spcPts val="3000"/>
+              </a:spcBef>
+              <a:buNone/>
+            </a:pPr>
+            <a:r>
+              <a:rPr b="1"/>
+              <a:t>Hafta-2 (Örnek Ders Modülü Adı)</a:t>
+            </a:r>
+          </a:p>
+          <a:p>
+            <a:pPr lvl="0" indent="0" marL="0">
+              <a:spcBef>
+                <a:spcPts val="3000"/>
+              </a:spcBef>
+              <a:buNone/>
+            </a:pPr>
+            <a:r>
+              <a:rPr b="1"/>
+              <a:t>Bahar Dönemi, 20XX-20XX</a:t>
+            </a:r>
+          </a:p>
+          <a:p>
+            <a:pPr lvl="0" indent="0" marL="0">
+              <a:buNone/>
+            </a:pPr>
+            <a:r>
+              <a:rPr/>
+              <a:t>İndir </a:t>
+            </a:r>
+            <a:r>
+              <a:rPr>
+                <a:hlinkClick r:id="rId2"/>
+              </a:rPr>
+              <a:t>DOC</a:t>
+            </a:r>
+            <a:r>
+              <a:rPr/>
+              <a:t>, </a:t>
+            </a:r>
+            <a:r>
+              <a:rPr>
+                <a:hlinkClick r:id="rId3"/>
+              </a:rPr>
+              <a:t>SLIDE</a:t>
+            </a:r>
+            <a:r>
+              <a:rPr/>
+              <a:t>, </a:t>
+            </a:r>
+            <a:r>
+              <a:rPr>
+                <a:hlinkClick r:id="rId4"/>
+              </a:rPr>
+              <a:t>PPTX</a:t>
+            </a:r>
+          </a:p>
+        </p:txBody>
+      </p:sp>
+    </p:spTree>
+  </p:cSld>
+</p:sld>
+</file>
+
+<file path=ppt/slides/slide3.xml><?xml version="1.0" encoding="utf-8"?>
+<p:sld xmlns:a="http://schemas.openxmlformats.org/drawingml/2006/main" xmlns:r="http://schemas.openxmlformats.org/officeDocument/2006/relationships" xmlns:p="http://schemas.openxmlformats.org/presentationml/2006/main">
+  <p:cSld>
+    <p:spTree>
+      <p:nvGrpSpPr>
+        <p:cNvPr id="1" name=""/>
+        <p:cNvGrpSpPr/>
+        <p:nvPr/>
+      </p:nvGrpSpPr>
+      <p:grpSpPr>
+        <a:xfrm>
+          <a:off x="0" y="0"/>
+          <a:ext cx="0" cy="0"/>
+          <a:chOff x="0" y="0"/>
+          <a:chExt cx="0" cy="0"/>
+        </a:xfrm>
+      </p:grpSpPr>
+      <p:sp>
+        <p:nvSpPr>
+          <p:cNvPr id="3" name="Content Placeholder 2"/>
+          <p:cNvSpPr>
+            <a:spLocks noGrp="1"/>
+          </p:cNvSpPr>
+          <p:nvPr>
+            <p:ph idx="1"/>
+          </p:nvPr>
+        </p:nvSpPr>
+        <p:spPr/>
+        <p:txBody>
+          <a:bodyPr/>
+          <a:lstStyle/>
+          <a:p>
+            <a:pPr lvl="0" indent="0" marL="0">
+              <a:spcBef>
+                <a:spcPts val="3000"/>
+              </a:spcBef>
+              <a:buNone/>
+            </a:pPr>
+            <a:r>
+              <a:rPr b="1"/>
+              <a:t>Anahat</a:t>
+            </a:r>
+          </a:p>
+          <a:p>
+            <a:pPr lvl="0"/>
+            <a:r>
+              <a:rPr/>
+              <a:t>Flowgorithm</a:t>
+            </a:r>
+          </a:p>
+        </p:txBody>
+      </p:sp>
+    </p:spTree>
+  </p:cSld>
+</p:sld>
+</file>
+
+<file path=ppt/slides/slide4.xml><?xml version="1.0" encoding="utf-8"?>
+<p:sld xmlns:a="http://schemas.openxmlformats.org/drawingml/2006/main" xmlns:r="http://schemas.openxmlformats.org/officeDocument/2006/relationships" xmlns:p="http://schemas.openxmlformats.org/presentationml/2006/main">
+  <p:cSld>
+    <p:spTree>
+      <p:nvGrpSpPr>
+        <p:cNvPr id="1" name=""/>
+        <p:cNvGrpSpPr/>
+        <p:nvPr/>
+      </p:nvGrpSpPr>
+      <p:grpSpPr>
+        <a:xfrm>
+          <a:off x="0" y="0"/>
+          <a:ext cx="0" cy="0"/>
+          <a:chOff x="0" y="0"/>
+          <a:chExt cx="0" cy="0"/>
+        </a:xfrm>
+      </p:grpSpPr>
+      <p:sp>
+        <p:nvSpPr>
+          <p:cNvPr id="2" name="Title 1"/>
+          <p:cNvSpPr>
+            <a:spLocks noGrp="1"/>
+          </p:cNvSpPr>
+          <p:nvPr>
+            <p:ph type="title"/>
+          </p:nvPr>
+        </p:nvSpPr>
+        <p:spPr/>
+        <p:txBody>
+          <a:bodyPr/>
+          <a:lstStyle/>
+          <a:p>
+            <a:pPr lvl="0" indent="0" marL="0">
+              <a:buNone/>
+            </a:pPr>
+            <a:r>
+              <a:rPr b="1"/>
+              <a:t>Flowgorithm ne ?</a:t>
+            </a:r>
+          </a:p>
+        </p:txBody>
+      </p:sp>
+    </p:spTree>
+  </p:cSld>
+</p:sld>
+</file>
+
+<file path=ppt/slides/slide5.xml><?xml version="1.0" encoding="utf-8"?>
+<p:sld xmlns:a="http://schemas.openxmlformats.org/drawingml/2006/main" xmlns:r="http://schemas.openxmlformats.org/officeDocument/2006/relationships" xmlns:p="http://schemas.openxmlformats.org/presentationml/2006/main">
+  <p:cSld>
+    <p:spTree>
+      <p:nvGrpSpPr>
+        <p:cNvPr id="1" name=""/>
+        <p:cNvGrpSpPr/>
+        <p:nvPr/>
+      </p:nvGrpSpPr>
+      <p:grpSpPr>
+        <a:xfrm>
+          <a:off x="0" y="0"/>
+          <a:ext cx="0" cy="0"/>
+          <a:chOff x="0" y="0"/>
+          <a:chExt cx="0" cy="0"/>
+        </a:xfrm>
+      </p:grpSpPr>
+      <p:sp>
+        <p:nvSpPr>
+          <p:cNvPr id="3" name="Content Placeholder 2"/>
+          <p:cNvSpPr>
+            <a:spLocks noGrp="1"/>
+          </p:cNvSpPr>
+          <p:nvPr>
+            <p:ph idx="1"/>
+          </p:nvPr>
+        </p:nvSpPr>
+        <p:spPr/>
+        <p:txBody>
+          <a:bodyPr/>
+          <a:lstStyle/>
+          <a:p>
+            <a:pPr lvl="0" indent="0" marL="0">
+              <a:spcBef>
+                <a:spcPts val="3000"/>
+              </a:spcBef>
+              <a:buNone/>
+            </a:pPr>
+            <a:r>
+              <a:rPr b="1"/>
+              <a:t>Örnek Konu</a:t>
+            </a:r>
+          </a:p>
+          <a:p>
+            <a:pPr lvl="0"/>
+            <a:r>
+              <a:rPr b="1"/>
+              <a:t>Flowgorithm ne ?</a:t>
+            </a:r>
+            <a:r>
+              <a:rPr/>
+              <a:t> </a:t>
+            </a:r>
+            <a:r>
+              <a:rPr b="1"/>
+              <a:t>Flowgorithm</a:t>
+            </a:r>
+            <a:r>
+              <a:rPr/>
+              <a:t>, kullanıcıların </a:t>
+            </a:r>
+            <a:r>
+              <a:rPr>
+                <a:hlinkClick r:id="rId2"/>
+              </a:rPr>
+              <a:t>akış şemalarını</a:t>
+            </a:r>
+            <a:r>
+              <a:rPr/>
+              <a:t>. Yaklaşım, belirli bir programlama dilinin sözdiziminden ziyade algoritmayı vurgulamak için tasarlanmıştır. Akış şeması, birkaç ana programlama diline dönüştürülebilir. Flowgorithm </a:t>
+            </a:r>
+            <a:r>
+              <a:rPr>
+                <a:hlinkClick r:id="rId3"/>
+              </a:rPr>
+              <a:t>Sacramento Eyalet Üniversitesinde</a:t>
+            </a:r>
+            <a:r>
+              <a:rPr/>
+              <a:t> oluşturuldu. —</a:t>
+            </a:r>
+          </a:p>
+          <a:p>
+            <a:pPr lvl="0" indent="0" marL="0">
+              <a:spcBef>
+                <a:spcPts val="3000"/>
+              </a:spcBef>
+              <a:buNone/>
+            </a:pPr>
+            <a:r>
+              <a:rPr b="1"/>
+              <a:t>Örnek Resimler-1</a:t>
+            </a:r>
+          </a:p>
+          <a:p>
+            <a:pPr lvl="0"/>
+            <a:r>
+              <a:rPr b="1"/>
+              <a:t>Flowgorithm ne ?</a:t>
+            </a:r>
+            <a:r>
+              <a:rPr/>
+              <a:t> Flowgorithm is a </a:t>
+            </a:r>
+            <a:r>
+              <a:rPr b="1"/>
+              <a:t>free</a:t>
+            </a:r>
+            <a:r>
+              <a:rPr/>
+              <a:t> beginner’s programming language that is based on simple graphical flowcharts.</a:t>
+            </a:r>
+          </a:p>
+          <a:p>
+            <a:pPr lvl="1" indent="0" marL="342900">
+              <a:buNone/>
+            </a:pPr>
+            <a:r>
+              <a:rPr/>
+              <a:t>Typically, when a student first learns to program, they often use one of the text-based programming languages. Depending on the language, this can either be easy or frustratingly difficult. Many languages require you to write lines of confusing code just to display the text “Hello, world!”.</a:t>
+            </a:r>
+          </a:p>
+          <a:p>
+            <a:pPr lvl="1" indent="0" marL="342900">
+              <a:buNone/>
+            </a:pPr>
+            <a:r>
+              <a:rPr/>
+              <a:t>By using flowcharts, you can concentrate on programming concepts rather than all the nuances of a typical programming language. You can also run your programs directly in Flowgorithm.</a:t>
+            </a:r>
+          </a:p>
+          <a:p>
+            <a:pPr lvl="0" indent="0" marL="0">
+              <a:spcBef>
+                <a:spcPts val="3000"/>
+              </a:spcBef>
+              <a:buNone/>
+            </a:pPr>
+            <a:r>
+              <a:rPr b="1"/>
+              <a:t>Once you understand programming logic, it is easy for you to learn one of the major languages. Flowgorithm can interactively convert your flowchart to over 18 languages. These include: C#, C++, Java, JavaScript, Lua, Perl, Python, Ruby, Swift, Visual Basic .NET, and VBA (used in Office).</a:t>
+            </a:r>
+          </a:p>
+          <a:p>
+            <a:pPr lvl="0" indent="0" marL="0">
+              <a:spcBef>
+                <a:spcPts val="3000"/>
+              </a:spcBef>
+              <a:buNone/>
+            </a:pPr>
+            <a:r>
+              <a:rPr b="1"/>
+              <a:t>Örnek Resimler-2</a:t>
+            </a:r>
+          </a:p>
+          <a:p>
+            <a:pPr lvl="0"/>
+            <a:r>
+              <a:rPr b="1"/>
+              <a:t>Flowgorithm ne ?</a:t>
+            </a:r>
+            <a:r>
+              <a:rPr/>
+              <a:t> Flowgorithm, kullanıcıların akış şemalarını kullanarak programlar yazmasına ve yürütmesine olanak tanıyan bir grafik geliştirme aracıdır. Yaklaşım, belirli bir programlama dilinin sözdiziminden ziyade algoritmayı vurgulamak için tasarlanmıştır. Akış şeması, birkaç ana programlama diline dönüştürülebilir. Flowgorithm, Sacramento Eyalet Üniversitesi’nde oluşturuldu.</a:t>
+            </a:r>
+          </a:p>
+          <a:p>
+            <a:pPr lvl="0" indent="0" marL="0">
+              <a:spcBef>
+                <a:spcPts val="3000"/>
+              </a:spcBef>
+              <a:buNone/>
+            </a:pPr>
+            <a:r>
+              <a:rPr b="1"/>
+              <a:t>Örnek Resimler-3</a:t>
+            </a:r>
+          </a:p>
+          <a:p>
+            <a:pPr lvl="0"/>
+            <a:r>
+              <a:rPr/>
+              <a:t>Flowgorithm Tutorial - TestingDocs.com</a:t>
+            </a:r>
+          </a:p>
+        </p:txBody>
+      </p:sp>
+    </p:spTree>
+  </p:cSld>
+</p:sld>
+</file>
+
+<file path=ppt/slides/slide6.xml><?xml version="1.0" encoding="utf-8"?>
+<p:sld xmlns:a="http://schemas.openxmlformats.org/drawingml/2006/main" xmlns:r="http://schemas.openxmlformats.org/officeDocument/2006/relationships" xmlns:p="http://schemas.openxmlformats.org/presentationml/2006/main">
+  <p:cSld>
+    <p:spTree>
+      <p:nvGrpSpPr>
+        <p:cNvPr id="1" name=""/>
+        <p:cNvGrpSpPr/>
+        <p:nvPr/>
+      </p:nvGrpSpPr>
+      <p:grpSpPr>
+        <a:xfrm>
+          <a:off x="0" y="0"/>
+          <a:ext cx="0" cy="0"/>
+          <a:chOff x="0" y="0"/>
+          <a:chExt cx="0" cy="0"/>
+        </a:xfrm>
+      </p:grpSpPr>
+      <p:sp>
+        <p:nvSpPr>
+          <p:cNvPr id="3" name="Content Placeholder 2"/>
+          <p:cNvSpPr>
+            <a:spLocks noGrp="1"/>
+          </p:cNvSpPr>
+          <p:nvPr>
+            <p:ph idx="1"/>
+          </p:nvPr>
+        </p:nvSpPr>
+        <p:spPr/>
+        <p:txBody>
+          <a:bodyPr/>
+          <a:lstStyle/>
+          <a:p>
+            <a:pPr lvl="0" indent="0" marL="0">
+              <a:spcBef>
+                <a:spcPts val="3000"/>
+              </a:spcBef>
+              <a:buNone/>
+            </a:pPr>
+            <a:r>
+              <a:rPr b="1"/>
+              <a:t>Örnek Resimler-4</a:t>
+            </a:r>
+          </a:p>
+          <a:p>
+            <a:pPr lvl="0"/>
+            <a:r>
+              <a:rPr b="1"/>
+              <a:t>Flowgorithm nasıl indirilir?</a:t>
+            </a:r>
+            <a:r>
+              <a:rPr/>
+              <a:t> </a:t>
+            </a:r>
+            <a:r>
+              <a:rPr>
+                <a:hlinkClick r:id="rId2"/>
+              </a:rPr>
+              <a:t>http://www.flowgorithm.org/</a:t>
+            </a:r>
+            <a:r>
+              <a:rPr/>
+              <a:t> —</a:t>
+            </a:r>
+          </a:p>
+          <a:p>
+            <a:pPr lvl="0" indent="0" marL="0">
+              <a:spcBef>
+                <a:spcPts val="3000"/>
+              </a:spcBef>
+              <a:buNone/>
+            </a:pPr>
+            <a:r>
+              <a:rPr b="1"/>
+              <a:t>Örnek Resimler-5</a:t>
+            </a:r>
+          </a:p>
+          <a:p>
+            <a:pPr lvl="0"/>
+            <a:r>
+              <a:rPr b="1"/>
+              <a:t>Flowgoritma ne işe yarar?</a:t>
+            </a:r>
+            <a:r>
+              <a:rPr/>
+              <a:t> Flowgorithm, </a:t>
+            </a:r>
+            <a:r>
+              <a:rPr b="1"/>
+              <a:t>kullanıcıların akış şemalarını kullanarak programlar yazmasına ve yürütmesine olanak tanıyan bir grafik geliştirme aracıdır</a:t>
+            </a:r>
+            <a:r>
+              <a:rPr/>
+              <a:t>. Yaklaşım, belirli bir programlama dilinin sözdiziminden ziyade algoritmayı vurgulamak için tasarlanmıştır. Akış şeması birkaç ana programlama diline dönüştürülebilir.</a:t>
+            </a:r>
+          </a:p>
+        </p:txBody>
+      </p:sp>
+    </p:spTree>
+  </p:cSld>
+</p:sld>
+</file>
+
+<file path=ppt/slides/slide7.xml><?xml version="1.0" encoding="utf-8"?>
+<p:sld xmlns:a="http://schemas.openxmlformats.org/drawingml/2006/main" xmlns:r="http://schemas.openxmlformats.org/officeDocument/2006/relationships" xmlns:p="http://schemas.openxmlformats.org/presentationml/2006/main">
+  <p:cSld>
+    <p:spTree>
+      <p:nvGrpSpPr>
+        <p:cNvPr id="1" name=""/>
+        <p:cNvGrpSpPr/>
+        <p:nvPr/>
+      </p:nvGrpSpPr>
+      <p:grpSpPr>
+        <a:xfrm>
+          <a:off x="0" y="0"/>
+          <a:ext cx="0" cy="0"/>
+          <a:chOff x="0" y="0"/>
+          <a:chExt cx="0" cy="0"/>
+        </a:xfrm>
+      </p:grpSpPr>
+      <p:sp>
+        <p:nvSpPr>
+          <p:cNvPr id="2" name="Title 1"/>
+          <p:cNvSpPr>
+            <a:spLocks noGrp="1"/>
+          </p:cNvSpPr>
+          <p:nvPr>
+            <p:ph type="title"/>
+          </p:nvPr>
+        </p:nvSpPr>
+        <p:spPr/>
+        <p:txBody>
+          <a:bodyPr/>
+          <a:lstStyle/>
+          <a:p>
+            <a:pPr lvl="0" indent="0" marL="0">
+              <a:buNone/>
+            </a:pPr>
+            <a:r>
+              <a:rPr/>
+              <a:t>)Flowgorithm - Wikipedia</a:t>
+            </a:r>
+          </a:p>
+        </p:txBody>
+      </p:sp>
+      <p:sp>
+        <p:nvSpPr>
+          <p:cNvPr id="3" name="Content Placeholder 2"/>
+          <p:cNvSpPr>
+            <a:spLocks noGrp="1"/>
+          </p:cNvSpPr>
+          <p:nvPr>
+            <p:ph idx="1"/>
+          </p:nvPr>
+        </p:nvSpPr>
+        <p:spPr/>
+        <p:txBody>
+          <a:bodyPr/>
+          <a:lstStyle/>
+          <a:p>
+            <a:pPr lvl="0" indent="0" marL="0">
+              <a:spcBef>
+                <a:spcPts val="3000"/>
+              </a:spcBef>
+              <a:buNone/>
+            </a:pPr>
+            <a:r>
+              <a:rPr b="1"/>
+              <a:t>Örnek Resimler-6</a:t>
+            </a:r>
+          </a:p>
+        </p:txBody>
+      </p:sp>
+    </p:spTree>
+  </p:cSld>
+</p:sld>
+</file>
+
+<file path=ppt/slides/slide8.xml><?xml version="1.0" encoding="utf-8"?>
 <p:sld xmlns:a="http://schemas.openxmlformats.org/drawingml/2006/main" xmlns:r="http://schemas.openxmlformats.org/officeDocument/2006/relationships" xmlns:p="http://schemas.openxmlformats.org/presentationml/2006/main">
   <p:cSld>
     <p:spTree>
@@ -4915,7 +5508,7 @@
 </p:sld>
 </file>
 
-<file path=ppt/slides/slide14.xml><?xml version="1.0" encoding="utf-8"?>
+<file path=ppt/slides/slide9.xml><?xml version="1.0" encoding="utf-8"?>
 <p:sld xmlns:a="http://schemas.openxmlformats.org/drawingml/2006/main" xmlns:r="http://schemas.openxmlformats.org/officeDocument/2006/relationships" xmlns:p="http://schemas.openxmlformats.org/presentationml/2006/main">
   <p:cSld>
     <p:spTree>
@@ -6245,1146 +6838,6 @@
           </p:sp>
         </mc:Choice>
       </mc:AlternateContent>
-    </p:spTree>
-  </p:cSld>
-</p:sld>
-</file>
-
-<file path=ppt/slides/slide15.xml><?xml version="1.0" encoding="utf-8"?>
-<p:sld xmlns:a="http://schemas.openxmlformats.org/drawingml/2006/main" xmlns:r="http://schemas.openxmlformats.org/officeDocument/2006/relationships" xmlns:p="http://schemas.openxmlformats.org/presentationml/2006/main">
-  <p:cSld>
-    <p:spTree>
-      <p:nvGrpSpPr>
-        <p:cNvPr id="1" name=""/>
-        <p:cNvGrpSpPr/>
-        <p:nvPr/>
-      </p:nvGrpSpPr>
-      <p:grpSpPr>
-        <a:xfrm>
-          <a:off x="0" y="0"/>
-          <a:ext cx="0" cy="0"/>
-          <a:chOff x="0" y="0"/>
-          <a:chExt cx="0" cy="0"/>
-        </a:xfrm>
-      </p:grpSpPr>
-      <p:sp>
-        <p:nvSpPr>
-          <p:cNvPr id="3" name="Content Placeholder 2"/>
-          <p:cNvSpPr>
-            <a:spLocks noGrp="1"/>
-          </p:cNvSpPr>
-          <p:nvPr>
-            <p:ph idx="1"/>
-          </p:nvPr>
-        </p:nvSpPr>
-        <p:spPr/>
-        <p:txBody>
-          <a:bodyPr/>
-          <a:lstStyle/>
-          <a:p>
-            <a:pPr lvl="0" indent="0" marL="0">
-              <a:buNone/>
-            </a:pPr>
-            <a:r>
-              <a:rPr b="1"/>
-              <a:t>YAPILACAKLAR</a:t>
-            </a:r>
-            <a:r>
-              <a:rPr/>
-              <a:t> KURS NOTLARINIZ İÇİN İÇERİĞİ GÜNCELLEME</a:t>
-            </a:r>
-          </a:p>
-        </p:txBody>
-      </p:sp>
-    </p:spTree>
-  </p:cSld>
-</p:sld>
-</file>
-
-<file path=ppt/slides/slide16.xml><?xml version="1.0" encoding="utf-8"?>
-<p:sld xmlns:a="http://schemas.openxmlformats.org/drawingml/2006/main" xmlns:r="http://schemas.openxmlformats.org/officeDocument/2006/relationships" xmlns:p="http://schemas.openxmlformats.org/presentationml/2006/main">
-  <p:cSld>
-    <p:spTree>
-      <p:nvGrpSpPr>
-        <p:cNvPr id="1" name=""/>
-        <p:cNvGrpSpPr/>
-        <p:nvPr/>
-      </p:nvGrpSpPr>
-      <p:grpSpPr>
-        <a:xfrm>
-          <a:off x="0" y="0"/>
-          <a:ext cx="0" cy="0"/>
-          <a:chOff x="0" y="0"/>
-          <a:chExt cx="0" cy="0"/>
-        </a:xfrm>
-      </p:grpSpPr>
-      <p:sp>
-        <p:nvSpPr>
-          <p:cNvPr id="2" name="Title 1"/>
-          <p:cNvSpPr>
-            <a:spLocks noGrp="1"/>
-          </p:cNvSpPr>
-          <p:nvPr>
-            <p:ph type="title"/>
-          </p:nvPr>
-        </p:nvSpPr>
-        <p:spPr/>
-        <p:txBody>
-          <a:bodyPr/>
-          <a:lstStyle/>
-          <a:p>
-            <a:pPr lvl="0" indent="0" marL="0">
-              <a:buNone/>
-            </a:pPr>
-            <a:r>
-              <a:rPr/>
-              <a:t>Referanslar</a:t>
-            </a:r>
-          </a:p>
-        </p:txBody>
-      </p:sp>
-      <p:sp>
-        <p:nvSpPr>
-          <p:cNvPr id="3" name="Content Placeholder 2"/>
-          <p:cNvSpPr>
-            <a:spLocks noGrp="1"/>
-          </p:cNvSpPr>
-          <p:nvPr>
-            <p:ph idx="1"/>
-          </p:nvPr>
-        </p:nvSpPr>
-        <p:spPr/>
-        <p:txBody>
-          <a:bodyPr/>
-          <a:lstStyle/>
-          <a:p>
-            <a:pPr lvl="0"/>
-            <a:r>
-              <a:rPr/>
-              <a:t>https://avesis.erdogan.edu.tr/ugur.coruh</a:t>
-            </a:r>
-          </a:p>
-          <a:p>
-            <a:pPr lvl="0"/>
-            <a:r>
-              <a:rPr/>
-              <a:t>https://www.linkedin.com/in/ugurcoruh/</a:t>
-            </a:r>
-          </a:p>
-          <a:p>
-            <a:pPr lvl="0"/>
-            <a:r>
-              <a:rPr/>
-              <a:t>https://www.hindawi.com/journals/scn/2018/6563089/</a:t>
-            </a:r>
-          </a:p>
-          <a:p>
-            <a:pPr lvl="0"/>
-            <a:r>
-              <a:rPr/>
-              <a:t>https://dl.acm.org/doi/abs/10.1145/3410352.3410836</a:t>
-            </a:r>
-          </a:p>
-          <a:p>
-            <a:pPr lvl="0"/>
-            <a:r>
-              <a:rPr/>
-              <a:t>https://www.sciencedirect.com/science/article/abs/pii/S2214212621002623</a:t>
-            </a:r>
-          </a:p>
-        </p:txBody>
-      </p:sp>
-    </p:spTree>
-  </p:cSld>
-</p:sld>
-</file>
-
-<file path=ppt/slides/slide17.xml><?xml version="1.0" encoding="utf-8"?>
-<p:sld xmlns:a="http://schemas.openxmlformats.org/drawingml/2006/main" xmlns:r="http://schemas.openxmlformats.org/officeDocument/2006/relationships" xmlns:p="http://schemas.openxmlformats.org/presentationml/2006/main">
-  <p:cSld>
-    <p:spTree>
-      <p:nvGrpSpPr>
-        <p:cNvPr id="1" name=""/>
-        <p:cNvGrpSpPr/>
-        <p:nvPr/>
-      </p:nvGrpSpPr>
-      <p:grpSpPr>
-        <a:xfrm>
-          <a:off x="0" y="0"/>
-          <a:ext cx="0" cy="0"/>
-          <a:chOff x="0" y="0"/>
-          <a:chExt cx="0" cy="0"/>
-        </a:xfrm>
-      </p:grpSpPr>
-      <mc:AlternateContent xmlns:mc="http://schemas.openxmlformats.org/markup-compatibility/2006">
-        <mc:Choice xmlns:a14="http://schemas.microsoft.com/office/drawing/2010/main" Requires="a14">
-          <p:sp>
-            <p:nvSpPr>
-              <p:cNvPr id="3" name="Content Placeholder 2"/>
-              <p:cNvSpPr>
-                <a:spLocks noGrp="1"/>
-              </p:cNvSpPr>
-              <p:nvPr>
-                <p:ph idx="1"/>
-              </p:nvPr>
-            </p:nvSpPr>
-            <p:spPr/>
-            <p:txBody>
-              <a:bodyPr/>
-              <a:lstStyle/>
-              <a:p>
-                <a:pPr lvl="0" indent="0" marL="0">
-                  <a:buNone/>
-                </a:pPr>
-                <a14:m>
-                  <m:oMath xmlns:m="http://schemas.openxmlformats.org/officeDocument/2006/math">
-                    <m:r>
-                      <m:t>H</m:t>
-                    </m:r>
-                    <m:r>
-                      <m:t>a</m:t>
-                    </m:r>
-                    <m:r>
-                      <m:t>f</m:t>
-                    </m:r>
-                    <m:r>
-                      <m:t>t</m:t>
-                    </m:r>
-                    <m:r>
-                      <m:t>a</m:t>
-                    </m:r>
-                    <m:r>
-                      <m:rPr>
-                        <m:sty m:val="p"/>
-                      </m:rPr>
-                      <m:t>−</m:t>
-                    </m:r>
-                    <m:r>
-                      <m:t>2</m:t>
-                    </m:r>
-                    <m:r>
-                      <m:rPr>
-                        <m:sty m:val="p"/>
-                      </m:rPr>
-                      <m:t>−</m:t>
-                    </m:r>
-                    <m:r>
-                      <m:t>S</m:t>
-                    </m:r>
-                    <m:r>
-                      <m:t>o</m:t>
-                    </m:r>
-                    <m:r>
-                      <m:t>n</m:t>
-                    </m:r>
-                  </m:oMath>
-                </a14:m>
-              </a:p>
-            </p:txBody>
-          </p:sp>
-        </mc:Choice>
-      </mc:AlternateContent>
-    </p:spTree>
-  </p:cSld>
-</p:sld>
-</file>
-
-<file path=ppt/slides/slide2.xml><?xml version="1.0" encoding="utf-8"?>
-<p:sld xmlns:a="http://schemas.openxmlformats.org/drawingml/2006/main" xmlns:r="http://schemas.openxmlformats.org/officeDocument/2006/relationships" xmlns:p="http://schemas.openxmlformats.org/presentationml/2006/main">
-  <p:cSld>
-    <p:spTree>
-      <p:nvGrpSpPr>
-        <p:cNvPr id="1" name=""/>
-        <p:cNvGrpSpPr/>
-        <p:nvPr/>
-      </p:nvGrpSpPr>
-      <p:grpSpPr>
-        <a:xfrm>
-          <a:off x="0" y="0"/>
-          <a:ext cx="0" cy="0"/>
-          <a:chOff x="0" y="0"/>
-          <a:chExt cx="0" cy="0"/>
-        </a:xfrm>
-      </p:grpSpPr>
-      <p:sp>
-        <p:nvSpPr>
-          <p:cNvPr id="2" name="Title 1"/>
-          <p:cNvSpPr>
-            <a:spLocks noGrp="1"/>
-          </p:cNvSpPr>
-          <p:nvPr>
-            <p:ph type="title"/>
-          </p:nvPr>
-        </p:nvSpPr>
-        <p:spPr/>
-        <p:txBody>
-          <a:bodyPr/>
-          <a:lstStyle/>
-          <a:p>
-            <a:pPr lvl="0" indent="0" marL="0">
-              <a:buNone/>
-            </a:pPr>
-            <a:r>
-              <a:rPr/>
-              <a:t>Örnek Ders Adı</a:t>
-            </a:r>
-          </a:p>
-        </p:txBody>
-      </p:sp>
-      <p:sp>
-        <p:nvSpPr>
-          <p:cNvPr id="3" name="Content Placeholder 2"/>
-          <p:cNvSpPr>
-            <a:spLocks noGrp="1"/>
-          </p:cNvSpPr>
-          <p:nvPr>
-            <p:ph idx="1"/>
-          </p:nvPr>
-        </p:nvSpPr>
-        <p:spPr/>
-        <p:txBody>
-          <a:bodyPr/>
-          <a:lstStyle/>
-          <a:p>
-            <a:pPr lvl="0" indent="0" marL="0">
-              <a:spcBef>
-                <a:spcPts val="3000"/>
-              </a:spcBef>
-              <a:buNone/>
-            </a:pPr>
-            <a:r>
-              <a:rPr b="1"/>
-              <a:t>Hafta-2 (Örnek Ders Modülü Adı)</a:t>
-            </a:r>
-          </a:p>
-          <a:p>
-            <a:pPr lvl="0" indent="0" marL="0">
-              <a:spcBef>
-                <a:spcPts val="3000"/>
-              </a:spcBef>
-              <a:buNone/>
-            </a:pPr>
-            <a:r>
-              <a:rPr b="1"/>
-              <a:t>Bahar Dönemi, 20XX-20XX</a:t>
-            </a:r>
-          </a:p>
-          <a:p>
-            <a:pPr lvl="0" indent="0" marL="0">
-              <a:buNone/>
-            </a:pPr>
-            <a:r>
-              <a:rPr/>
-              <a:t>İndir </a:t>
-            </a:r>
-            <a:r>
-              <a:rPr>
-                <a:hlinkClick r:id="rId2"/>
-              </a:rPr>
-              <a:t>DOC</a:t>
-            </a:r>
-            <a:r>
-              <a:rPr/>
-              <a:t>, </a:t>
-            </a:r>
-            <a:r>
-              <a:rPr>
-                <a:hlinkClick r:id="rId3"/>
-              </a:rPr>
-              <a:t>SLIDE</a:t>
-            </a:r>
-            <a:r>
-              <a:rPr/>
-              <a:t>, </a:t>
-            </a:r>
-            <a:r>
-              <a:rPr>
-                <a:hlinkClick r:id="rId4"/>
-              </a:rPr>
-              <a:t>PPTX</a:t>
-            </a:r>
-          </a:p>
-        </p:txBody>
-      </p:sp>
-    </p:spTree>
-  </p:cSld>
-</p:sld>
-</file>
-
-<file path=ppt/slides/slide3.xml><?xml version="1.0" encoding="utf-8"?>
-<p:sld xmlns:a="http://schemas.openxmlformats.org/drawingml/2006/main" xmlns:r="http://schemas.openxmlformats.org/officeDocument/2006/relationships" xmlns:p="http://schemas.openxmlformats.org/presentationml/2006/main">
-  <p:cSld>
-    <p:spTree>
-      <p:nvGrpSpPr>
-        <p:cNvPr id="1" name=""/>
-        <p:cNvGrpSpPr/>
-        <p:nvPr/>
-      </p:nvGrpSpPr>
-      <p:grpSpPr>
-        <a:xfrm>
-          <a:off x="0" y="0"/>
-          <a:ext cx="0" cy="0"/>
-          <a:chOff x="0" y="0"/>
-          <a:chExt cx="0" cy="0"/>
-        </a:xfrm>
-      </p:grpSpPr>
-      <p:sp>
-        <p:nvSpPr>
-          <p:cNvPr id="3" name="Content Placeholder 2"/>
-          <p:cNvSpPr>
-            <a:spLocks noGrp="1"/>
-          </p:cNvSpPr>
-          <p:nvPr>
-            <p:ph idx="1"/>
-          </p:nvPr>
-        </p:nvSpPr>
-        <p:spPr/>
-        <p:txBody>
-          <a:bodyPr/>
-          <a:lstStyle/>
-          <a:p>
-            <a:pPr lvl="0" indent="0" marL="0">
-              <a:spcBef>
-                <a:spcPts val="3000"/>
-              </a:spcBef>
-              <a:buNone/>
-            </a:pPr>
-            <a:r>
-              <a:rPr b="1"/>
-              <a:t>Anahat</a:t>
-            </a:r>
-          </a:p>
-          <a:p>
-            <a:pPr lvl="0"/>
-            <a:r>
-              <a:rPr/>
-              <a:t>Örnek Anahat</a:t>
-            </a:r>
-          </a:p>
-          <a:p>
-            <a:pPr lvl="0"/>
-            <a:r>
-              <a:rPr/>
-              <a:t>Örnek Anahat</a:t>
-            </a:r>
-          </a:p>
-          <a:p>
-            <a:pPr lvl="0"/>
-            <a:r>
-              <a:rPr/>
-              <a:t>Örnek Anahat</a:t>
-            </a:r>
-          </a:p>
-          <a:p>
-            <a:pPr lvl="0"/>
-            <a:r>
-              <a:rPr/>
-              <a:t>Örnek Anahat</a:t>
-            </a:r>
-          </a:p>
-        </p:txBody>
-      </p:sp>
-    </p:spTree>
-  </p:cSld>
-</p:sld>
-</file>
-
-<file path=ppt/slides/slide4.xml><?xml version="1.0" encoding="utf-8"?>
-<p:sld xmlns:a="http://schemas.openxmlformats.org/drawingml/2006/main" xmlns:r="http://schemas.openxmlformats.org/officeDocument/2006/relationships" xmlns:p="http://schemas.openxmlformats.org/presentationml/2006/main">
-  <p:cSld>
-    <p:spTree>
-      <p:nvGrpSpPr>
-        <p:cNvPr id="1" name=""/>
-        <p:cNvGrpSpPr/>
-        <p:nvPr/>
-      </p:nvGrpSpPr>
-      <p:grpSpPr>
-        <a:xfrm>
-          <a:off x="0" y="0"/>
-          <a:ext cx="0" cy="0"/>
-          <a:chOff x="0" y="0"/>
-          <a:chExt cx="0" cy="0"/>
-        </a:xfrm>
-      </p:grpSpPr>
-      <p:sp>
-        <p:nvSpPr>
-          <p:cNvPr id="2" name="Title 1"/>
-          <p:cNvSpPr>
-            <a:spLocks noGrp="1"/>
-          </p:cNvSpPr>
-          <p:nvPr>
-            <p:ph type="title"/>
-          </p:nvPr>
-        </p:nvSpPr>
-        <p:spPr/>
-        <p:txBody>
-          <a:bodyPr/>
-          <a:lstStyle/>
-          <a:p>
-            <a:pPr lvl="0" indent="0" marL="0">
-              <a:buNone/>
-            </a:pPr>
-            <a:r>
-              <a:rPr b="1"/>
-              <a:t>Örnek Konu</a:t>
-            </a:r>
-          </a:p>
-        </p:txBody>
-      </p:sp>
-    </p:spTree>
-  </p:cSld>
-</p:sld>
-</file>
-
-<file path=ppt/slides/slide5.xml><?xml version="1.0" encoding="utf-8"?>
-<p:sld xmlns:a="http://schemas.openxmlformats.org/drawingml/2006/main" xmlns:r="http://schemas.openxmlformats.org/officeDocument/2006/relationships" xmlns:p="http://schemas.openxmlformats.org/presentationml/2006/main">
-  <p:cSld>
-    <p:spTree>
-      <p:nvGrpSpPr>
-        <p:cNvPr id="1" name=""/>
-        <p:cNvGrpSpPr/>
-        <p:nvPr/>
-      </p:nvGrpSpPr>
-      <p:grpSpPr>
-        <a:xfrm>
-          <a:off x="0" y="0"/>
-          <a:ext cx="0" cy="0"/>
-          <a:chOff x="0" y="0"/>
-          <a:chExt cx="0" cy="0"/>
-        </a:xfrm>
-      </p:grpSpPr>
-      <p:sp>
-        <p:nvSpPr>
-          <p:cNvPr id="4" name="Text Placeholder 3"/>
-          <p:cNvSpPr>
-            <a:spLocks noGrp="1"/>
-          </p:cNvSpPr>
-          <p:nvPr>
-            <p:ph idx="2" sz="half" type="body"/>
-          </p:nvPr>
-        </p:nvSpPr>
-        <p:spPr/>
-        <p:txBody>
-          <a:bodyPr/>
-          <a:lstStyle/>
-          <a:p>
-            <a:pPr lvl="0" indent="0" marL="0">
-              <a:spcBef>
-                <a:spcPts val="3000"/>
-              </a:spcBef>
-              <a:buNone/>
-            </a:pPr>
-            <a:r>
-              <a:rPr b="1"/>
-              <a:t>Örnek Konu</a:t>
-            </a:r>
-          </a:p>
-          <a:p>
-            <a:pPr lvl="0"/>
-            <a:r>
-              <a:rPr b="1"/>
-              <a:t>Lorem Ipsum nedir?</a:t>
-            </a:r>
-            <a:r>
-              <a:rPr/>
-              <a:t> Lorem Ipsum, basım ve dizgi endüstrisinin basit bir sahte metnidir. Lorem Ipsum, 1500’lerden beri endüstrinin standart sahte metni olmuştur.</a:t>
-            </a:r>
-          </a:p>
-          <a:p>
-            <a:pPr lvl="1"/>
-            <a:r>
-              <a:rPr/>
-              <a:t>bilinmeyen bir matbaacı bir tür kadırga alıp onu bir tip numune kitabı yapmak için karıştırdığında. Sadece beş yüzyıl hayatta kalmadı,</a:t>
-            </a:r>
-          </a:p>
-          <a:p>
-            <a:pPr lvl="2"/>
-            <a:r>
-              <a:rPr/>
-              <a:t>ama aynı zamanda, esasen değişmeden kalan elektronik dizgiye geçiş.</a:t>
-            </a:r>
-          </a:p>
-          <a:p>
-            <a:pPr lvl="0" indent="0" marL="0">
-              <a:spcBef>
-                <a:spcPts val="3000"/>
-              </a:spcBef>
-              <a:buNone/>
-            </a:pPr>
-            <a:r>
-              <a:rPr b="1"/>
-              <a:t>1960’larda Lorem Ipsum pasajları içeren Letraset sayfalarının yayınlanmasıyla ve daha yakın zamanda Aldus PageMaker gibi Lorem Ipsum sürümlerini içeren masaüstü yayıncılık yazılımlarıyla popüler hale geldi.</a:t>
-            </a:r>
-          </a:p>
-          <a:p>
-            <a:pPr lvl="0" indent="0" marL="0">
-              <a:spcBef>
-                <a:spcPts val="3000"/>
-              </a:spcBef>
-              <a:buNone/>
-            </a:pPr>
-            <a:r>
-              <a:rPr b="1"/>
-              <a:t>Örnek Resimler-1</a:t>
-            </a:r>
-          </a:p>
-          <a:p>
-            <a:pPr lvl="0"/>
-            <a:r>
-              <a:rPr b="1"/>
-              <a:t>Lorem Ipsum nedir?</a:t>
-            </a:r>
-            <a:r>
-              <a:rPr/>
-              <a:t> Lorem Ipsum, basım ve dizgi endüstrisinin basit bir sahte metnidir. Lorem Ipsum, 1500’lerden beri endüstrinin standart sahte metni olmuştur.</a:t>
-            </a:r>
-          </a:p>
-        </p:txBody>
-      </p:sp>
-      <p:pic>
-        <p:nvPicPr>
-          <p:cNvPr descr="fig:  assets/sample-1.png" id="0" name="Picture 1"/>
-          <p:cNvPicPr>
-            <a:picLocks noGrp="1" noChangeAspect="1"/>
-          </p:cNvPicPr>
-          <p:nvPr/>
-        </p:nvPicPr>
-        <p:blipFill>
-          <a:blip r:embed="rId2"/>
-          <a:stretch>
-            <a:fillRect/>
-          </a:stretch>
-        </p:blipFill>
-        <p:spPr bwMode="auto">
-          <a:xfrm>
-            <a:off x="4749800" y="266700"/>
-            <a:ext cx="2743200" cy="5334000"/>
-          </a:xfrm>
-          <a:prstGeom prst="rect">
-            <a:avLst/>
-          </a:prstGeom>
-          <a:noFill/>
-          <a:ln w="9525">
-            <a:noFill/>
-            <a:headEnd/>
-            <a:tailEnd/>
-          </a:ln>
-        </p:spPr>
-      </p:pic>
-      <p:sp>
-        <p:nvSpPr>
-          <p:cNvPr id="1" name="TextBox 3"/>
-          <p:cNvSpPr txBox="1"/>
-          <p:nvPr/>
-        </p:nvSpPr>
-        <p:spPr>
-          <a:xfrm>
-            <a:off x="3568700" y="5600700"/>
-            <a:ext cx="5105400" cy="508000"/>
-          </a:xfrm>
-          <a:prstGeom prst="rect">
-            <a:avLst/>
-          </a:prstGeom>
-          <a:noFill/>
-        </p:spPr>
-        <p:txBody>
-          <a:bodyPr/>
-          <a:lstStyle/>
-          <a:p>
-            <a:pPr lvl="0" indent="0" marL="0" algn="ctr">
-              <a:buNone/>
-            </a:pPr>
-            <a:r>
-              <a:rPr/>
-              <a:t>center h:400px</a:t>
-            </a:r>
-          </a:p>
-        </p:txBody>
-      </p:sp>
-    </p:spTree>
-  </p:cSld>
-</p:sld>
-</file>
-
-<file path=ppt/slides/slide6.xml><?xml version="1.0" encoding="utf-8"?>
-<p:sld xmlns:a="http://schemas.openxmlformats.org/drawingml/2006/main" xmlns:r="http://schemas.openxmlformats.org/officeDocument/2006/relationships" xmlns:p="http://schemas.openxmlformats.org/presentationml/2006/main">
-  <p:cSld>
-    <p:spTree>
-      <p:nvGrpSpPr>
-        <p:cNvPr id="1" name=""/>
-        <p:cNvGrpSpPr/>
-        <p:nvPr/>
-      </p:nvGrpSpPr>
-      <p:grpSpPr>
-        <a:xfrm>
-          <a:off x="0" y="0"/>
-          <a:ext cx="0" cy="0"/>
-          <a:chOff x="0" y="0"/>
-          <a:chExt cx="0" cy="0"/>
-        </a:xfrm>
-      </p:grpSpPr>
-      <p:sp>
-        <p:nvSpPr>
-          <p:cNvPr id="4" name="Text Placeholder 3"/>
-          <p:cNvSpPr>
-            <a:spLocks noGrp="1"/>
-          </p:cNvSpPr>
-          <p:nvPr>
-            <p:ph idx="2" sz="half" type="body"/>
-          </p:nvPr>
-        </p:nvSpPr>
-        <p:spPr/>
-        <p:txBody>
-          <a:bodyPr/>
-          <a:lstStyle/>
-          <a:p>
-            <a:pPr lvl="0" indent="0" marL="0">
-              <a:spcBef>
-                <a:spcPts val="3000"/>
-              </a:spcBef>
-              <a:buNone/>
-            </a:pPr>
-            <a:r>
-              <a:rPr b="1"/>
-              <a:t>Örnek Resimler-2</a:t>
-            </a:r>
-          </a:p>
-          <a:p>
-            <a:pPr lvl="0"/>
-            <a:r>
-              <a:rPr b="1"/>
-              <a:t>Lorem Ipsum nedir?</a:t>
-            </a:r>
-            <a:r>
-              <a:rPr/>
-              <a:t> Lorem Ipsum, basım ve dizgi endüstrisinin basit bir sahte metnidir. Lorem Ipsum, 1500’lerden beri endüstrinin standart sahte metni olmuştur.</a:t>
-            </a:r>
-          </a:p>
-        </p:txBody>
-      </p:sp>
-      <p:pic>
-        <p:nvPicPr>
-          <p:cNvPr descr="fig:  assets/sample-1.png" id="0" name="Picture 1"/>
-          <p:cNvPicPr>
-            <a:picLocks noGrp="1" noChangeAspect="1"/>
-          </p:cNvPicPr>
-          <p:nvPr/>
-        </p:nvPicPr>
-        <p:blipFill>
-          <a:blip r:embed="rId2"/>
-          <a:stretch>
-            <a:fillRect/>
-          </a:stretch>
-        </p:blipFill>
-        <p:spPr bwMode="auto">
-          <a:xfrm>
-            <a:off x="4749800" y="266700"/>
-            <a:ext cx="2743200" cy="5334000"/>
-          </a:xfrm>
-          <a:prstGeom prst="rect">
-            <a:avLst/>
-          </a:prstGeom>
-          <a:noFill/>
-          <a:ln w="9525">
-            <a:noFill/>
-            <a:headEnd/>
-            <a:tailEnd/>
-          </a:ln>
-        </p:spPr>
-      </p:pic>
-      <p:sp>
-        <p:nvSpPr>
-          <p:cNvPr id="1" name="TextBox 3"/>
-          <p:cNvSpPr txBox="1"/>
-          <p:nvPr/>
-        </p:nvSpPr>
-        <p:spPr>
-          <a:xfrm>
-            <a:off x="3568700" y="5600700"/>
-            <a:ext cx="5105400" cy="508000"/>
-          </a:xfrm>
-          <a:prstGeom prst="rect">
-            <a:avLst/>
-          </a:prstGeom>
-          <a:noFill/>
-        </p:spPr>
-        <p:txBody>
-          <a:bodyPr/>
-          <a:lstStyle/>
-          <a:p>
-            <a:pPr lvl="0" indent="0" marL="0" algn="ctr">
-              <a:buNone/>
-            </a:pPr>
-            <a:r>
-              <a:rPr/>
-              <a:t>bg right:50% h:400px</a:t>
-            </a:r>
-          </a:p>
-        </p:txBody>
-      </p:sp>
-    </p:spTree>
-  </p:cSld>
-</p:sld>
-</file>
-
-<file path=ppt/slides/slide7.xml><?xml version="1.0" encoding="utf-8"?>
-<p:sld xmlns:a="http://schemas.openxmlformats.org/drawingml/2006/main" xmlns:r="http://schemas.openxmlformats.org/officeDocument/2006/relationships" xmlns:p="http://schemas.openxmlformats.org/presentationml/2006/main">
-  <p:cSld>
-    <p:spTree>
-      <p:nvGrpSpPr>
-        <p:cNvPr id="1" name=""/>
-        <p:cNvGrpSpPr/>
-        <p:nvPr/>
-      </p:nvGrpSpPr>
-      <p:grpSpPr>
-        <a:xfrm>
-          <a:off x="0" y="0"/>
-          <a:ext cx="0" cy="0"/>
-          <a:chOff x="0" y="0"/>
-          <a:chExt cx="0" cy="0"/>
-        </a:xfrm>
-      </p:grpSpPr>
-      <p:sp>
-        <p:nvSpPr>
-          <p:cNvPr id="4" name="Text Placeholder 3"/>
-          <p:cNvSpPr>
-            <a:spLocks noGrp="1"/>
-          </p:cNvSpPr>
-          <p:nvPr>
-            <p:ph idx="2" sz="half" type="body"/>
-          </p:nvPr>
-        </p:nvSpPr>
-        <p:spPr/>
-        <p:txBody>
-          <a:bodyPr/>
-          <a:lstStyle/>
-          <a:p>
-            <a:pPr lvl="0" indent="0" marL="0">
-              <a:spcBef>
-                <a:spcPts val="3000"/>
-              </a:spcBef>
-              <a:buNone/>
-            </a:pPr>
-            <a:r>
-              <a:rPr b="1"/>
-              <a:t>Örnek Resimler-3</a:t>
-            </a:r>
-          </a:p>
-          <a:p>
-            <a:pPr lvl="0"/>
-            <a:r>
-              <a:rPr b="1"/>
-              <a:t>Lorem Ipsum nedir?</a:t>
-            </a:r>
-            <a:r>
-              <a:rPr/>
-              <a:t> Lorem Ipsum, basım ve dizgi endüstrisinin basit bir sahte metnidir. Lorem Ipsum, 1500’lerden beri endüstrinin standart sahte metni olmuştur.</a:t>
-            </a:r>
-          </a:p>
-        </p:txBody>
-      </p:sp>
-      <p:pic>
-        <p:nvPicPr>
-          <p:cNvPr descr="fig:  assets/sample-1.png" id="0" name="Picture 1"/>
-          <p:cNvPicPr>
-            <a:picLocks noGrp="1" noChangeAspect="1"/>
-          </p:cNvPicPr>
-          <p:nvPr/>
-        </p:nvPicPr>
-        <p:blipFill>
-          <a:blip r:embed="rId2"/>
-          <a:stretch>
-            <a:fillRect/>
-          </a:stretch>
-        </p:blipFill>
-        <p:spPr bwMode="auto">
-          <a:xfrm>
-            <a:off x="4749800" y="266700"/>
-            <a:ext cx="2743200" cy="5334000"/>
-          </a:xfrm>
-          <a:prstGeom prst="rect">
-            <a:avLst/>
-          </a:prstGeom>
-          <a:noFill/>
-          <a:ln w="9525">
-            <a:noFill/>
-            <a:headEnd/>
-            <a:tailEnd/>
-          </a:ln>
-        </p:spPr>
-      </p:pic>
-      <p:sp>
-        <p:nvSpPr>
-          <p:cNvPr id="1" name="TextBox 3"/>
-          <p:cNvSpPr txBox="1"/>
-          <p:nvPr/>
-        </p:nvSpPr>
-        <p:spPr>
-          <a:xfrm>
-            <a:off x="3568700" y="5600700"/>
-            <a:ext cx="5105400" cy="508000"/>
-          </a:xfrm>
-          <a:prstGeom prst="rect">
-            <a:avLst/>
-          </a:prstGeom>
-          <a:noFill/>
-        </p:spPr>
-        <p:txBody>
-          <a:bodyPr/>
-          <a:lstStyle/>
-          <a:p>
-            <a:pPr lvl="0" indent="0" marL="0" algn="ctr">
-              <a:buNone/>
-            </a:pPr>
-            <a:r>
-              <a:rPr/>
-              <a:t>bg left:50% h:400px</a:t>
-            </a:r>
-          </a:p>
-        </p:txBody>
-      </p:sp>
-    </p:spTree>
-  </p:cSld>
-</p:sld>
-</file>
-
-<file path=ppt/slides/slide8.xml><?xml version="1.0" encoding="utf-8"?>
-<p:sld xmlns:a="http://schemas.openxmlformats.org/drawingml/2006/main" xmlns:r="http://schemas.openxmlformats.org/officeDocument/2006/relationships" xmlns:p="http://schemas.openxmlformats.org/presentationml/2006/main">
-  <p:cSld>
-    <p:spTree>
-      <p:nvGrpSpPr>
-        <p:cNvPr id="1" name=""/>
-        <p:cNvGrpSpPr/>
-        <p:nvPr/>
-      </p:nvGrpSpPr>
-      <p:grpSpPr>
-        <a:xfrm>
-          <a:off x="0" y="0"/>
-          <a:ext cx="0" cy="0"/>
-          <a:chOff x="0" y="0"/>
-          <a:chExt cx="0" cy="0"/>
-        </a:xfrm>
-      </p:grpSpPr>
-      <p:sp>
-        <p:nvSpPr>
-          <p:cNvPr id="4" name="Text Placeholder 3"/>
-          <p:cNvSpPr>
-            <a:spLocks noGrp="1"/>
-          </p:cNvSpPr>
-          <p:nvPr>
-            <p:ph idx="2" sz="half" type="body"/>
-          </p:nvPr>
-        </p:nvSpPr>
-        <p:spPr/>
-        <p:txBody>
-          <a:bodyPr/>
-          <a:lstStyle/>
-          <a:p>
-            <a:pPr lvl="0" indent="0" marL="0">
-              <a:spcBef>
-                <a:spcPts val="3000"/>
-              </a:spcBef>
-              <a:buNone/>
-            </a:pPr>
-            <a:r>
-              <a:rPr b="1"/>
-              <a:t>Örnek Resimler-4</a:t>
-            </a:r>
-          </a:p>
-          <a:p>
-            <a:pPr lvl="0"/>
-            <a:r>
-              <a:rPr b="1"/>
-              <a:t>Lorem Ipsum nedir?</a:t>
-            </a:r>
-            <a:r>
-              <a:rPr/>
-              <a:t> Lorem Ipsum, basım ve dizgi endüstrisinin basit bir sahte metnidir. Lorem Ipsum, 1500’lerden beri endüstrinin standart sahte metni olmuştur.</a:t>
-            </a:r>
-          </a:p>
-        </p:txBody>
-      </p:sp>
-      <p:pic>
-        <p:nvPicPr>
-          <p:cNvPr descr="fig:  assets/sample-1.png" id="0" name="Picture 1"/>
-          <p:cNvPicPr>
-            <a:picLocks noGrp="1" noChangeAspect="1"/>
-          </p:cNvPicPr>
-          <p:nvPr/>
-        </p:nvPicPr>
-        <p:blipFill>
-          <a:blip r:embed="rId2"/>
-          <a:stretch>
-            <a:fillRect/>
-          </a:stretch>
-        </p:blipFill>
-        <p:spPr bwMode="auto">
-          <a:xfrm>
-            <a:off x="4749800" y="266700"/>
-            <a:ext cx="2743200" cy="5334000"/>
-          </a:xfrm>
-          <a:prstGeom prst="rect">
-            <a:avLst/>
-          </a:prstGeom>
-          <a:noFill/>
-          <a:ln w="9525">
-            <a:noFill/>
-            <a:headEnd/>
-            <a:tailEnd/>
-          </a:ln>
-        </p:spPr>
-      </p:pic>
-      <p:sp>
-        <p:nvSpPr>
-          <p:cNvPr id="1" name="TextBox 3"/>
-          <p:cNvSpPr txBox="1"/>
-          <p:nvPr/>
-        </p:nvSpPr>
-        <p:spPr>
-          <a:xfrm>
-            <a:off x="3568700" y="5600700"/>
-            <a:ext cx="5105400" cy="508000"/>
-          </a:xfrm>
-          <a:prstGeom prst="rect">
-            <a:avLst/>
-          </a:prstGeom>
-          <a:noFill/>
-        </p:spPr>
-        <p:txBody>
-          <a:bodyPr/>
-          <a:lstStyle/>
-          <a:p>
-            <a:pPr lvl="0" indent="0" marL="0" algn="ctr">
-              <a:buNone/>
-            </a:pPr>
-            <a:r>
-              <a:rPr/>
-              <a:t>bg h:400px</a:t>
-            </a:r>
-          </a:p>
-        </p:txBody>
-      </p:sp>
-    </p:spTree>
-  </p:cSld>
-</p:sld>
-</file>
-
-<file path=ppt/slides/slide9.xml><?xml version="1.0" encoding="utf-8"?>
-<p:sld xmlns:a="http://schemas.openxmlformats.org/drawingml/2006/main" xmlns:r="http://schemas.openxmlformats.org/officeDocument/2006/relationships" xmlns:p="http://schemas.openxmlformats.org/presentationml/2006/main">
-  <p:cSld>
-    <p:spTree>
-      <p:nvGrpSpPr>
-        <p:cNvPr id="1" name=""/>
-        <p:cNvGrpSpPr/>
-        <p:nvPr/>
-      </p:nvGrpSpPr>
-      <p:grpSpPr>
-        <a:xfrm>
-          <a:off x="0" y="0"/>
-          <a:ext cx="0" cy="0"/>
-          <a:chOff x="0" y="0"/>
-          <a:chExt cx="0" cy="0"/>
-        </a:xfrm>
-      </p:grpSpPr>
-      <p:sp>
-        <p:nvSpPr>
-          <p:cNvPr id="4" name="Text Placeholder 3"/>
-          <p:cNvSpPr>
-            <a:spLocks noGrp="1"/>
-          </p:cNvSpPr>
-          <p:nvPr>
-            <p:ph idx="2" sz="half" type="body"/>
-          </p:nvPr>
-        </p:nvSpPr>
-        <p:spPr/>
-        <p:txBody>
-          <a:bodyPr/>
-          <a:lstStyle/>
-          <a:p>
-            <a:pPr lvl="0" indent="0" marL="0">
-              <a:spcBef>
-                <a:spcPts val="3000"/>
-              </a:spcBef>
-              <a:buNone/>
-            </a:pPr>
-            <a:r>
-              <a:rPr b="1"/>
-              <a:t>Örnek Resimler-5</a:t>
-            </a:r>
-          </a:p>
-          <a:p>
-            <a:pPr lvl="0"/>
-            <a:r>
-              <a:rPr b="1"/>
-              <a:t>Lorem Ipsum nedir?</a:t>
-            </a:r>
-            <a:r>
-              <a:rPr/>
-              <a:t> Lorem Ipsum, basım ve dizgi endüstrisinin basit bir sahte metnidir. Lorem Ipsum, 1500’lerden beri endüstrinin standart sahte metni olmuştur.</a:t>
-            </a:r>
-          </a:p>
-        </p:txBody>
-      </p:sp>
-      <p:pic>
-        <p:nvPicPr>
-          <p:cNvPr descr="assets/sample-1.png" id="0" name="Picture 1"/>
-          <p:cNvPicPr>
-            <a:picLocks noGrp="1" noChangeAspect="1"/>
-          </p:cNvPicPr>
-          <p:nvPr/>
-        </p:nvPicPr>
-        <p:blipFill>
-          <a:blip r:embed="rId2"/>
-          <a:stretch>
-            <a:fillRect/>
-          </a:stretch>
-        </p:blipFill>
-        <p:spPr bwMode="auto">
-          <a:xfrm>
-            <a:off x="4749800" y="266700"/>
-            <a:ext cx="2743200" cy="5334000"/>
-          </a:xfrm>
-          <a:prstGeom prst="rect">
-            <a:avLst/>
-          </a:prstGeom>
-          <a:noFill/>
-          <a:ln w="9525">
-            <a:noFill/>
-            <a:headEnd/>
-            <a:tailEnd/>
-          </a:ln>
-        </p:spPr>
-      </p:pic>
-      <p:sp>
-        <p:nvSpPr>
-          <p:cNvPr id="1" name="TextBox 3"/>
-          <p:cNvSpPr txBox="1"/>
-          <p:nvPr/>
-        </p:nvSpPr>
-        <p:spPr>
-          <a:xfrm>
-            <a:off x="3568700" y="5600700"/>
-            <a:ext cx="5105400" cy="508000"/>
-          </a:xfrm>
-          <a:prstGeom prst="rect">
-            <a:avLst/>
-          </a:prstGeom>
-          <a:noFill/>
-        </p:spPr>
-        <p:txBody>
-          <a:bodyPr/>
-          <a:lstStyle/>
-          <a:p>
-            <a:pPr lvl="0" indent="0" marL="0" algn="ctr">
-              <a:buNone/>
-            </a:pPr>
-            <a:r>
-              <a:rPr/>
-              <a:t>bg left:50% h:800px</a:t>
-            </a:r>
-          </a:p>
-        </p:txBody>
-      </p:sp>
     </p:spTree>
   </p:cSld>
 </p:sld>
